--- a/docs/diagrams/StorageComponentClassDiagram.pptx
+++ b/docs/diagrams/StorageComponentClassDiagram.pptx
@@ -5,10 +5,11 @@
     <p:sldMasterId id="2147483648" r:id="rId1"/>
   </p:sldMasterIdLst>
   <p:notesMasterIdLst>
-    <p:notesMasterId r:id="rId3"/>
+    <p:notesMasterId r:id="rId4"/>
   </p:notesMasterIdLst>
   <p:sldIdLst>
     <p:sldId id="264" r:id="rId2"/>
+    <p:sldId id="265" r:id="rId3"/>
   </p:sldIdLst>
   <p:sldSz cx="9144000" cy="6858000" type="screen4x3"/>
   <p:notesSz cx="6858000" cy="9144000"/>
@@ -107,6 +108,22 @@
       </a:defRPr>
     </a:lvl9pPr>
   </p:defaultTextStyle>
+  <p:extLst>
+    <p:ext uri="{EFAFB233-063F-42B5-8137-9DF3F51BA10A}">
+      <p15:sldGuideLst xmlns:p15="http://schemas.microsoft.com/office/powerpoint/2012/main">
+        <p15:guide id="1" orient="horz" pos="1488">
+          <p15:clr>
+            <a:srgbClr val="A4A3A4"/>
+          </p15:clr>
+        </p15:guide>
+        <p15:guide id="2" pos="2880">
+          <p15:clr>
+            <a:srgbClr val="A4A3A4"/>
+          </p15:clr>
+        </p15:guide>
+      </p15:sldGuideLst>
+    </p:ext>
+  </p:extLst>
 </p:presentation>
 </file>
 
@@ -192,7 +209,7 @@
           <a:p>
             <a:fld id="{F5CC4B3F-88C1-4FFA-B1B6-F41C21DC6924}" type="datetimeFigureOut">
               <a:rPr lang="en-US" smtClean="0"/>
-              <a:t>10/16/2016</a:t>
+              <a:t>11/12/2018</a:t>
             </a:fld>
             <a:endParaRPr lang="en-US"/>
           </a:p>
@@ -256,38 +273,37 @@
           <a:p>
             <a:pPr lvl="0"/>
             <a:r>
-              <a:rPr lang="en-US" smtClean="0"/>
+              <a:rPr lang="en-US"/>
               <a:t>Click to edit Master text styles</a:t>
             </a:r>
           </a:p>
           <a:p>
             <a:pPr lvl="1"/>
             <a:r>
-              <a:rPr lang="en-US" smtClean="0"/>
+              <a:rPr lang="en-US"/>
               <a:t>Second level</a:t>
             </a:r>
           </a:p>
           <a:p>
             <a:pPr lvl="2"/>
             <a:r>
-              <a:rPr lang="en-US" smtClean="0"/>
+              <a:rPr lang="en-US"/>
               <a:t>Third level</a:t>
             </a:r>
           </a:p>
           <a:p>
             <a:pPr lvl="3"/>
             <a:r>
-              <a:rPr lang="en-US" smtClean="0"/>
+              <a:rPr lang="en-US"/>
               <a:t>Fourth level</a:t>
             </a:r>
           </a:p>
           <a:p>
             <a:pPr lvl="4"/>
             <a:r>
-              <a:rPr lang="en-US" smtClean="0"/>
+              <a:rPr lang="en-US"/>
               <a:t>Fifth level</a:t>
             </a:r>
-            <a:endParaRPr lang="en-US"/>
           </a:p>
         </p:txBody>
       </p:sp>
@@ -498,10 +514,9 @@
           <a:lstStyle/>
           <a:p>
             <a:r>
-              <a:rPr lang="en-US" smtClean="0"/>
+              <a:rPr lang="en-US"/>
               <a:t>Click to edit Master title style</a:t>
             </a:r>
-            <a:endParaRPr lang="en-US"/>
           </a:p>
         </p:txBody>
       </p:sp>
@@ -617,10 +632,9 @@
           </a:lstStyle>
           <a:p>
             <a:r>
-              <a:rPr lang="en-US" smtClean="0"/>
+              <a:rPr lang="en-US"/>
               <a:t>Click to edit Master subtitle style</a:t>
             </a:r>
-            <a:endParaRPr lang="en-US"/>
           </a:p>
         </p:txBody>
       </p:sp>
@@ -641,7 +655,7 @@
           <a:p>
             <a:fld id="{78C97017-6FC3-485B-9764-EAC9E56C1D49}" type="datetimeFigureOut">
               <a:rPr lang="en-US" smtClean="0"/>
-              <a:t>10/16/2016</a:t>
+              <a:t>11/12/2018</a:t>
             </a:fld>
             <a:endParaRPr lang="en-US"/>
           </a:p>
@@ -735,10 +749,9 @@
           <a:lstStyle/>
           <a:p>
             <a:r>
-              <a:rPr lang="en-US" smtClean="0"/>
+              <a:rPr lang="en-US"/>
               <a:t>Click to edit Master title style</a:t>
             </a:r>
-            <a:endParaRPr lang="en-US"/>
           </a:p>
         </p:txBody>
       </p:sp>
@@ -759,38 +772,37 @@
           <a:p>
             <a:pPr lvl="0"/>
             <a:r>
-              <a:rPr lang="en-US" smtClean="0"/>
+              <a:rPr lang="en-US"/>
               <a:t>Click to edit Master text styles</a:t>
             </a:r>
           </a:p>
           <a:p>
             <a:pPr lvl="1"/>
             <a:r>
-              <a:rPr lang="en-US" smtClean="0"/>
+              <a:rPr lang="en-US"/>
               <a:t>Second level</a:t>
             </a:r>
           </a:p>
           <a:p>
             <a:pPr lvl="2"/>
             <a:r>
-              <a:rPr lang="en-US" smtClean="0"/>
+              <a:rPr lang="en-US"/>
               <a:t>Third level</a:t>
             </a:r>
           </a:p>
           <a:p>
             <a:pPr lvl="3"/>
             <a:r>
-              <a:rPr lang="en-US" smtClean="0"/>
+              <a:rPr lang="en-US"/>
               <a:t>Fourth level</a:t>
             </a:r>
           </a:p>
           <a:p>
             <a:pPr lvl="4"/>
             <a:r>
-              <a:rPr lang="en-US" smtClean="0"/>
+              <a:rPr lang="en-US"/>
               <a:t>Fifth level</a:t>
             </a:r>
-            <a:endParaRPr lang="en-US"/>
           </a:p>
         </p:txBody>
       </p:sp>
@@ -811,7 +823,7 @@
           <a:p>
             <a:fld id="{78C97017-6FC3-485B-9764-EAC9E56C1D49}" type="datetimeFigureOut">
               <a:rPr lang="en-US" smtClean="0"/>
-              <a:t>10/16/2016</a:t>
+              <a:t>11/12/2018</a:t>
             </a:fld>
             <a:endParaRPr lang="en-US"/>
           </a:p>
@@ -910,10 +922,9 @@
           <a:lstStyle/>
           <a:p>
             <a:r>
-              <a:rPr lang="en-US" smtClean="0"/>
+              <a:rPr lang="en-US"/>
               <a:t>Click to edit Master title style</a:t>
             </a:r>
-            <a:endParaRPr lang="en-US"/>
           </a:p>
         </p:txBody>
       </p:sp>
@@ -939,38 +950,37 @@
           <a:p>
             <a:pPr lvl="0"/>
             <a:r>
-              <a:rPr lang="en-US" smtClean="0"/>
+              <a:rPr lang="en-US"/>
               <a:t>Click to edit Master text styles</a:t>
             </a:r>
           </a:p>
           <a:p>
             <a:pPr lvl="1"/>
             <a:r>
-              <a:rPr lang="en-US" smtClean="0"/>
+              <a:rPr lang="en-US"/>
               <a:t>Second level</a:t>
             </a:r>
           </a:p>
           <a:p>
             <a:pPr lvl="2"/>
             <a:r>
-              <a:rPr lang="en-US" smtClean="0"/>
+              <a:rPr lang="en-US"/>
               <a:t>Third level</a:t>
             </a:r>
           </a:p>
           <a:p>
             <a:pPr lvl="3"/>
             <a:r>
-              <a:rPr lang="en-US" smtClean="0"/>
+              <a:rPr lang="en-US"/>
               <a:t>Fourth level</a:t>
             </a:r>
           </a:p>
           <a:p>
             <a:pPr lvl="4"/>
             <a:r>
-              <a:rPr lang="en-US" smtClean="0"/>
+              <a:rPr lang="en-US"/>
               <a:t>Fifth level</a:t>
             </a:r>
-            <a:endParaRPr lang="en-US"/>
           </a:p>
         </p:txBody>
       </p:sp>
@@ -991,7 +1001,7 @@
           <a:p>
             <a:fld id="{78C97017-6FC3-485B-9764-EAC9E56C1D49}" type="datetimeFigureOut">
               <a:rPr lang="en-US" smtClean="0"/>
-              <a:t>10/16/2016</a:t>
+              <a:t>11/12/2018</a:t>
             </a:fld>
             <a:endParaRPr lang="en-US"/>
           </a:p>
@@ -1085,10 +1095,9 @@
           <a:lstStyle/>
           <a:p>
             <a:r>
-              <a:rPr lang="en-US" smtClean="0"/>
+              <a:rPr lang="en-US"/>
               <a:t>Click to edit Master title style</a:t>
             </a:r>
-            <a:endParaRPr lang="en-US"/>
           </a:p>
         </p:txBody>
       </p:sp>
@@ -1109,38 +1118,37 @@
           <a:p>
             <a:pPr lvl="0"/>
             <a:r>
-              <a:rPr lang="en-US" smtClean="0"/>
+              <a:rPr lang="en-US"/>
               <a:t>Click to edit Master text styles</a:t>
             </a:r>
           </a:p>
           <a:p>
             <a:pPr lvl="1"/>
             <a:r>
-              <a:rPr lang="en-US" smtClean="0"/>
+              <a:rPr lang="en-US"/>
               <a:t>Second level</a:t>
             </a:r>
           </a:p>
           <a:p>
             <a:pPr lvl="2"/>
             <a:r>
-              <a:rPr lang="en-US" smtClean="0"/>
+              <a:rPr lang="en-US"/>
               <a:t>Third level</a:t>
             </a:r>
           </a:p>
           <a:p>
             <a:pPr lvl="3"/>
             <a:r>
-              <a:rPr lang="en-US" smtClean="0"/>
+              <a:rPr lang="en-US"/>
               <a:t>Fourth level</a:t>
             </a:r>
           </a:p>
           <a:p>
             <a:pPr lvl="4"/>
             <a:r>
-              <a:rPr lang="en-US" smtClean="0"/>
+              <a:rPr lang="en-US"/>
               <a:t>Fifth level</a:t>
             </a:r>
-            <a:endParaRPr lang="en-US"/>
           </a:p>
         </p:txBody>
       </p:sp>
@@ -1161,7 +1169,7 @@
           <a:p>
             <a:fld id="{78C97017-6FC3-485B-9764-EAC9E56C1D49}" type="datetimeFigureOut">
               <a:rPr lang="en-US" smtClean="0"/>
-              <a:t>10/16/2016</a:t>
+              <a:t>11/12/2018</a:t>
             </a:fld>
             <a:endParaRPr lang="en-US"/>
           </a:p>
@@ -1264,10 +1272,9 @@
           </a:lstStyle>
           <a:p>
             <a:r>
-              <a:rPr lang="en-US" smtClean="0"/>
+              <a:rPr lang="en-US"/>
               <a:t>Click to edit Master title style</a:t>
             </a:r>
-            <a:endParaRPr lang="en-US"/>
           </a:p>
         </p:txBody>
       </p:sp>
@@ -1384,7 +1391,7 @@
           <a:p>
             <a:pPr lvl="0"/>
             <a:r>
-              <a:rPr lang="en-US" smtClean="0"/>
+              <a:rPr lang="en-US"/>
               <a:t>Click to edit Master text styles</a:t>
             </a:r>
           </a:p>
@@ -1407,7 +1414,7 @@
           <a:p>
             <a:fld id="{78C97017-6FC3-485B-9764-EAC9E56C1D49}" type="datetimeFigureOut">
               <a:rPr lang="en-US" smtClean="0"/>
-              <a:t>10/16/2016</a:t>
+              <a:t>11/12/2018</a:t>
             </a:fld>
             <a:endParaRPr lang="en-US"/>
           </a:p>
@@ -1501,10 +1508,9 @@
           <a:lstStyle/>
           <a:p>
             <a:r>
-              <a:rPr lang="en-US" smtClean="0"/>
+              <a:rPr lang="en-US"/>
               <a:t>Click to edit Master title style</a:t>
             </a:r>
-            <a:endParaRPr lang="en-US"/>
           </a:p>
         </p:txBody>
       </p:sp>
@@ -1558,38 +1564,37 @@
           <a:p>
             <a:pPr lvl="0"/>
             <a:r>
-              <a:rPr lang="en-US" smtClean="0"/>
+              <a:rPr lang="en-US"/>
               <a:t>Click to edit Master text styles</a:t>
             </a:r>
           </a:p>
           <a:p>
             <a:pPr lvl="1"/>
             <a:r>
-              <a:rPr lang="en-US" smtClean="0"/>
+              <a:rPr lang="en-US"/>
               <a:t>Second level</a:t>
             </a:r>
           </a:p>
           <a:p>
             <a:pPr lvl="2"/>
             <a:r>
-              <a:rPr lang="en-US" smtClean="0"/>
+              <a:rPr lang="en-US"/>
               <a:t>Third level</a:t>
             </a:r>
           </a:p>
           <a:p>
             <a:pPr lvl="3"/>
             <a:r>
-              <a:rPr lang="en-US" smtClean="0"/>
+              <a:rPr lang="en-US"/>
               <a:t>Fourth level</a:t>
             </a:r>
           </a:p>
           <a:p>
             <a:pPr lvl="4"/>
             <a:r>
-              <a:rPr lang="en-US" smtClean="0"/>
+              <a:rPr lang="en-US"/>
               <a:t>Fifth level</a:t>
             </a:r>
-            <a:endParaRPr lang="en-US"/>
           </a:p>
         </p:txBody>
       </p:sp>
@@ -1643,38 +1648,37 @@
           <a:p>
             <a:pPr lvl="0"/>
             <a:r>
-              <a:rPr lang="en-US" smtClean="0"/>
+              <a:rPr lang="en-US"/>
               <a:t>Click to edit Master text styles</a:t>
             </a:r>
           </a:p>
           <a:p>
             <a:pPr lvl="1"/>
             <a:r>
-              <a:rPr lang="en-US" smtClean="0"/>
+              <a:rPr lang="en-US"/>
               <a:t>Second level</a:t>
             </a:r>
           </a:p>
           <a:p>
             <a:pPr lvl="2"/>
             <a:r>
-              <a:rPr lang="en-US" smtClean="0"/>
+              <a:rPr lang="en-US"/>
               <a:t>Third level</a:t>
             </a:r>
           </a:p>
           <a:p>
             <a:pPr lvl="3"/>
             <a:r>
-              <a:rPr lang="en-US" smtClean="0"/>
+              <a:rPr lang="en-US"/>
               <a:t>Fourth level</a:t>
             </a:r>
           </a:p>
           <a:p>
             <a:pPr lvl="4"/>
             <a:r>
-              <a:rPr lang="en-US" smtClean="0"/>
+              <a:rPr lang="en-US"/>
               <a:t>Fifth level</a:t>
             </a:r>
-            <a:endParaRPr lang="en-US"/>
           </a:p>
         </p:txBody>
       </p:sp>
@@ -1695,7 +1699,7 @@
           <a:p>
             <a:fld id="{78C97017-6FC3-485B-9764-EAC9E56C1D49}" type="datetimeFigureOut">
               <a:rPr lang="en-US" smtClean="0"/>
-              <a:t>10/16/2016</a:t>
+              <a:t>11/12/2018</a:t>
             </a:fld>
             <a:endParaRPr lang="en-US"/>
           </a:p>
@@ -1793,10 +1797,9 @@
           </a:lstStyle>
           <a:p>
             <a:r>
-              <a:rPr lang="en-US" smtClean="0"/>
+              <a:rPr lang="en-US"/>
               <a:t>Click to edit Master title style</a:t>
             </a:r>
-            <a:endParaRPr lang="en-US"/>
           </a:p>
         </p:txBody>
       </p:sp>
@@ -1859,7 +1862,7 @@
           <a:p>
             <a:pPr lvl="0"/>
             <a:r>
-              <a:rPr lang="en-US" smtClean="0"/>
+              <a:rPr lang="en-US"/>
               <a:t>Click to edit Master text styles</a:t>
             </a:r>
           </a:p>
@@ -1915,38 +1918,37 @@
           <a:p>
             <a:pPr lvl="0"/>
             <a:r>
-              <a:rPr lang="en-US" smtClean="0"/>
+              <a:rPr lang="en-US"/>
               <a:t>Click to edit Master text styles</a:t>
             </a:r>
           </a:p>
           <a:p>
             <a:pPr lvl="1"/>
             <a:r>
-              <a:rPr lang="en-US" smtClean="0"/>
+              <a:rPr lang="en-US"/>
               <a:t>Second level</a:t>
             </a:r>
           </a:p>
           <a:p>
             <a:pPr lvl="2"/>
             <a:r>
-              <a:rPr lang="en-US" smtClean="0"/>
+              <a:rPr lang="en-US"/>
               <a:t>Third level</a:t>
             </a:r>
           </a:p>
           <a:p>
             <a:pPr lvl="3"/>
             <a:r>
-              <a:rPr lang="en-US" smtClean="0"/>
+              <a:rPr lang="en-US"/>
               <a:t>Fourth level</a:t>
             </a:r>
           </a:p>
           <a:p>
             <a:pPr lvl="4"/>
             <a:r>
-              <a:rPr lang="en-US" smtClean="0"/>
+              <a:rPr lang="en-US"/>
               <a:t>Fifth level</a:t>
             </a:r>
-            <a:endParaRPr lang="en-US"/>
           </a:p>
         </p:txBody>
       </p:sp>
@@ -2009,7 +2011,7 @@
           <a:p>
             <a:pPr lvl="0"/>
             <a:r>
-              <a:rPr lang="en-US" smtClean="0"/>
+              <a:rPr lang="en-US"/>
               <a:t>Click to edit Master text styles</a:t>
             </a:r>
           </a:p>
@@ -2065,38 +2067,37 @@
           <a:p>
             <a:pPr lvl="0"/>
             <a:r>
-              <a:rPr lang="en-US" smtClean="0"/>
+              <a:rPr lang="en-US"/>
               <a:t>Click to edit Master text styles</a:t>
             </a:r>
           </a:p>
           <a:p>
             <a:pPr lvl="1"/>
             <a:r>
-              <a:rPr lang="en-US" smtClean="0"/>
+              <a:rPr lang="en-US"/>
               <a:t>Second level</a:t>
             </a:r>
           </a:p>
           <a:p>
             <a:pPr lvl="2"/>
             <a:r>
-              <a:rPr lang="en-US" smtClean="0"/>
+              <a:rPr lang="en-US"/>
               <a:t>Third level</a:t>
             </a:r>
           </a:p>
           <a:p>
             <a:pPr lvl="3"/>
             <a:r>
-              <a:rPr lang="en-US" smtClean="0"/>
+              <a:rPr lang="en-US"/>
               <a:t>Fourth level</a:t>
             </a:r>
           </a:p>
           <a:p>
             <a:pPr lvl="4"/>
             <a:r>
-              <a:rPr lang="en-US" smtClean="0"/>
+              <a:rPr lang="en-US"/>
               <a:t>Fifth level</a:t>
             </a:r>
-            <a:endParaRPr lang="en-US"/>
           </a:p>
         </p:txBody>
       </p:sp>
@@ -2117,7 +2118,7 @@
           <a:p>
             <a:fld id="{78C97017-6FC3-485B-9764-EAC9E56C1D49}" type="datetimeFigureOut">
               <a:rPr lang="en-US" smtClean="0"/>
-              <a:t>10/16/2016</a:t>
+              <a:t>11/12/2018</a:t>
             </a:fld>
             <a:endParaRPr lang="en-US"/>
           </a:p>
@@ -2211,10 +2212,9 @@
           <a:lstStyle/>
           <a:p>
             <a:r>
-              <a:rPr lang="en-US" smtClean="0"/>
+              <a:rPr lang="en-US"/>
               <a:t>Click to edit Master title style</a:t>
             </a:r>
-            <a:endParaRPr lang="en-US"/>
           </a:p>
         </p:txBody>
       </p:sp>
@@ -2235,7 +2235,7 @@
           <a:p>
             <a:fld id="{78C97017-6FC3-485B-9764-EAC9E56C1D49}" type="datetimeFigureOut">
               <a:rPr lang="en-US" smtClean="0"/>
-              <a:t>10/16/2016</a:t>
+              <a:t>11/12/2018</a:t>
             </a:fld>
             <a:endParaRPr lang="en-US"/>
           </a:p>
@@ -2330,7 +2330,7 @@
           <a:p>
             <a:fld id="{78C97017-6FC3-485B-9764-EAC9E56C1D49}" type="datetimeFigureOut">
               <a:rPr lang="en-US" smtClean="0"/>
-              <a:t>10/16/2016</a:t>
+              <a:t>11/12/2018</a:t>
             </a:fld>
             <a:endParaRPr lang="en-US"/>
           </a:p>
@@ -2433,10 +2433,9 @@
           </a:lstStyle>
           <a:p>
             <a:r>
-              <a:rPr lang="en-US" smtClean="0"/>
+              <a:rPr lang="en-US"/>
               <a:t>Click to edit Master title style</a:t>
             </a:r>
-            <a:endParaRPr lang="en-US"/>
           </a:p>
         </p:txBody>
       </p:sp>
@@ -2490,38 +2489,37 @@
           <a:p>
             <a:pPr lvl="0"/>
             <a:r>
-              <a:rPr lang="en-US" smtClean="0"/>
+              <a:rPr lang="en-US"/>
               <a:t>Click to edit Master text styles</a:t>
             </a:r>
           </a:p>
           <a:p>
             <a:pPr lvl="1"/>
             <a:r>
-              <a:rPr lang="en-US" smtClean="0"/>
+              <a:rPr lang="en-US"/>
               <a:t>Second level</a:t>
             </a:r>
           </a:p>
           <a:p>
             <a:pPr lvl="2"/>
             <a:r>
-              <a:rPr lang="en-US" smtClean="0"/>
+              <a:rPr lang="en-US"/>
               <a:t>Third level</a:t>
             </a:r>
           </a:p>
           <a:p>
             <a:pPr lvl="3"/>
             <a:r>
-              <a:rPr lang="en-US" smtClean="0"/>
+              <a:rPr lang="en-US"/>
               <a:t>Fourth level</a:t>
             </a:r>
           </a:p>
           <a:p>
             <a:pPr lvl="4"/>
             <a:r>
-              <a:rPr lang="en-US" smtClean="0"/>
+              <a:rPr lang="en-US"/>
               <a:t>Fifth level</a:t>
             </a:r>
-            <a:endParaRPr lang="en-US"/>
           </a:p>
         </p:txBody>
       </p:sp>
@@ -2584,7 +2582,7 @@
           <a:p>
             <a:pPr lvl="0"/>
             <a:r>
-              <a:rPr lang="en-US" smtClean="0"/>
+              <a:rPr lang="en-US"/>
               <a:t>Click to edit Master text styles</a:t>
             </a:r>
           </a:p>
@@ -2607,7 +2605,7 @@
           <a:p>
             <a:fld id="{78C97017-6FC3-485B-9764-EAC9E56C1D49}" type="datetimeFigureOut">
               <a:rPr lang="en-US" smtClean="0"/>
-              <a:t>10/16/2016</a:t>
+              <a:t>11/12/2018</a:t>
             </a:fld>
             <a:endParaRPr lang="en-US"/>
           </a:p>
@@ -2710,10 +2708,9 @@
           </a:lstStyle>
           <a:p>
             <a:r>
-              <a:rPr lang="en-US" smtClean="0"/>
+              <a:rPr lang="en-US"/>
               <a:t>Click to edit Master title style</a:t>
             </a:r>
-            <a:endParaRPr lang="en-US"/>
           </a:p>
         </p:txBody>
       </p:sp>
@@ -2837,7 +2834,7 @@
           <a:p>
             <a:pPr lvl="0"/>
             <a:r>
-              <a:rPr lang="en-US" smtClean="0"/>
+              <a:rPr lang="en-US"/>
               <a:t>Click to edit Master text styles</a:t>
             </a:r>
           </a:p>
@@ -2860,7 +2857,7 @@
           <a:p>
             <a:fld id="{78C97017-6FC3-485B-9764-EAC9E56C1D49}" type="datetimeFigureOut">
               <a:rPr lang="en-US" smtClean="0"/>
-              <a:t>10/16/2016</a:t>
+              <a:t>11/12/2018</a:t>
             </a:fld>
             <a:endParaRPr lang="en-US"/>
           </a:p>
@@ -2969,10 +2966,9 @@
           <a:lstStyle/>
           <a:p>
             <a:r>
-              <a:rPr lang="en-US" smtClean="0"/>
+              <a:rPr lang="en-US"/>
               <a:t>Click to edit Master title style</a:t>
             </a:r>
-            <a:endParaRPr lang="en-US"/>
           </a:p>
         </p:txBody>
       </p:sp>
@@ -3003,38 +2999,37 @@
           <a:p>
             <a:pPr lvl="0"/>
             <a:r>
-              <a:rPr lang="en-US" smtClean="0"/>
+              <a:rPr lang="en-US"/>
               <a:t>Click to edit Master text styles</a:t>
             </a:r>
           </a:p>
           <a:p>
             <a:pPr lvl="1"/>
             <a:r>
-              <a:rPr lang="en-US" smtClean="0"/>
+              <a:rPr lang="en-US"/>
               <a:t>Second level</a:t>
             </a:r>
           </a:p>
           <a:p>
             <a:pPr lvl="2"/>
             <a:r>
-              <a:rPr lang="en-US" smtClean="0"/>
+              <a:rPr lang="en-US"/>
               <a:t>Third level</a:t>
             </a:r>
           </a:p>
           <a:p>
             <a:pPr lvl="3"/>
             <a:r>
-              <a:rPr lang="en-US" smtClean="0"/>
+              <a:rPr lang="en-US"/>
               <a:t>Fourth level</a:t>
             </a:r>
           </a:p>
           <a:p>
             <a:pPr lvl="4"/>
             <a:r>
-              <a:rPr lang="en-US" smtClean="0"/>
+              <a:rPr lang="en-US"/>
               <a:t>Fifth level</a:t>
             </a:r>
-            <a:endParaRPr lang="en-US"/>
           </a:p>
         </p:txBody>
       </p:sp>
@@ -3073,7 +3068,7 @@
           <a:p>
             <a:fld id="{78C97017-6FC3-485B-9764-EAC9E56C1D49}" type="datetimeFigureOut">
               <a:rPr lang="en-US" smtClean="0"/>
-              <a:t>10/16/2016</a:t>
+              <a:t>11/12/2018</a:t>
             </a:fld>
             <a:endParaRPr lang="en-US"/>
           </a:p>
@@ -3494,7 +3489,7 @@
           <a:lstStyle/>
           <a:p>
             <a:r>
-              <a:rPr lang="en-US" sz="1200" b="1" dirty="0" smtClean="0">
+              <a:rPr lang="en-US" sz="1200" b="1" dirty="0">
                 <a:solidFill>
                   <a:schemeClr val="accent6">
                     <a:lumMod val="75000"/>
@@ -3561,7 +3556,7 @@
           <a:p>
             <a:pPr algn="ctr"/>
             <a:r>
-              <a:rPr lang="en-US" sz="1050" dirty="0" smtClean="0">
+              <a:rPr lang="en-US" sz="1050" dirty="0">
                 <a:solidFill>
                   <a:schemeClr val="bg1"/>
                 </a:solidFill>
@@ -3569,14 +3564,14 @@
               <a:t>&lt;&lt;interface&gt;&gt;</a:t>
             </a:r>
             <a:br>
-              <a:rPr lang="en-US" sz="1050" dirty="0" smtClean="0">
+              <a:rPr lang="en-US" sz="1050" dirty="0">
                 <a:solidFill>
                   <a:schemeClr val="bg1"/>
                 </a:solidFill>
               </a:rPr>
             </a:br>
             <a:r>
-              <a:rPr lang="en-US" sz="1050" dirty="0" err="1" smtClean="0">
+              <a:rPr lang="en-US" sz="1050" dirty="0" err="1">
                 <a:solidFill>
                   <a:schemeClr val="bg1"/>
                 </a:solidFill>
@@ -3639,7 +3634,7 @@
           <a:p>
             <a:pPr algn="ctr"/>
             <a:r>
-              <a:rPr lang="en-US" sz="1050" dirty="0" err="1" smtClean="0">
+              <a:rPr lang="en-US" sz="1050" dirty="0" err="1">
                 <a:solidFill>
                   <a:schemeClr val="bg1"/>
                 </a:solidFill>
@@ -3713,7 +3708,7 @@
           <a:p>
             <a:pPr algn="ctr"/>
             <a:r>
-              <a:rPr lang="en-US" sz="1050" dirty="0" smtClean="0">
+              <a:rPr lang="en-US" sz="1050" dirty="0">
                 <a:solidFill>
                   <a:schemeClr val="bg1"/>
                 </a:solidFill>
@@ -4147,7 +4142,7 @@
           <a:p>
             <a:pPr algn="ctr"/>
             <a:r>
-              <a:rPr lang="en-US" sz="1050" b="1" dirty="0" err="1" smtClean="0">
+              <a:rPr lang="en-US" sz="1050" b="1" dirty="0" err="1">
                 <a:solidFill>
                   <a:schemeClr val="accent6">
                     <a:lumMod val="75000"/>
@@ -4156,27 +4151,17 @@
               </a:rPr>
               <a:t>XmlAddressBook</a:t>
             </a:r>
-            <a:r>
-              <a:rPr lang="en-US" sz="1050" b="1" dirty="0" smtClean="0">
+            <a:br>
+              <a:rPr lang="en-US" sz="1050" b="1" dirty="0">
                 <a:solidFill>
                   <a:schemeClr val="accent6">
                     <a:lumMod val="75000"/>
                   </a:schemeClr>
                 </a:solidFill>
               </a:rPr>
-              <a:t/>
-            </a:r>
-            <a:br>
-              <a:rPr lang="en-US" sz="1050" b="1" dirty="0" smtClean="0">
-                <a:solidFill>
-                  <a:schemeClr val="accent6">
-                    <a:lumMod val="75000"/>
-                  </a:schemeClr>
-                </a:solidFill>
-              </a:rPr>
             </a:br>
             <a:r>
-              <a:rPr lang="en-US" sz="1050" b="1" dirty="0" smtClean="0">
+              <a:rPr lang="en-US" sz="1050" b="1" dirty="0">
                 <a:solidFill>
                   <a:schemeClr val="accent6">
                     <a:lumMod val="75000"/>
@@ -4243,7 +4228,7 @@
           <a:p>
             <a:pPr algn="ctr"/>
             <a:r>
-              <a:rPr lang="en-US" sz="1050" dirty="0" smtClean="0">
+              <a:rPr lang="en-US" sz="1050" dirty="0">
                 <a:solidFill>
                   <a:schemeClr val="bg1"/>
                 </a:solidFill>
@@ -4251,14 +4236,14 @@
               <a:t>&lt;&lt;interface&gt;&gt;</a:t>
             </a:r>
             <a:br>
-              <a:rPr lang="en-US" sz="1050" dirty="0" smtClean="0">
+              <a:rPr lang="en-US" sz="1050" dirty="0">
                 <a:solidFill>
                   <a:schemeClr val="bg1"/>
                 </a:solidFill>
               </a:rPr>
             </a:br>
             <a:r>
-              <a:rPr lang="en-US" sz="1050" dirty="0" err="1" smtClean="0">
+              <a:rPr lang="en-US" sz="1050" dirty="0" err="1">
                 <a:solidFill>
                   <a:schemeClr val="bg1"/>
                 </a:solidFill>
@@ -4516,30 +4501,22 @@
           <a:p>
             <a:pPr algn="ctr"/>
             <a:r>
-              <a:rPr lang="en-US" sz="1050" dirty="0" err="1" smtClean="0">
+              <a:rPr lang="en-US" sz="1050" dirty="0" err="1">
                 <a:solidFill>
                   <a:schemeClr val="bg1"/>
                 </a:solidFill>
               </a:rPr>
               <a:t>JsonUserPrefs</a:t>
             </a:r>
-            <a:r>
-              <a:rPr lang="en-US" sz="1050" dirty="0" smtClean="0">
-                <a:solidFill>
-                  <a:schemeClr val="bg1"/>
-                </a:solidFill>
-              </a:rPr>
-              <a:t/>
-            </a:r>
             <a:br>
-              <a:rPr lang="en-US" sz="1050" dirty="0" smtClean="0">
+              <a:rPr lang="en-US" sz="1050" dirty="0">
                 <a:solidFill>
                   <a:schemeClr val="bg1"/>
                 </a:solidFill>
               </a:rPr>
             </a:br>
             <a:r>
-              <a:rPr lang="en-US" sz="1050" dirty="0" smtClean="0">
+              <a:rPr lang="en-US" sz="1050" dirty="0">
                 <a:solidFill>
                   <a:schemeClr val="bg1"/>
                 </a:solidFill>
@@ -4591,7 +4568,7 @@
           <a:p>
             <a:pPr algn="ctr"/>
             <a:r>
-              <a:rPr lang="en-US" sz="1050" b="1" dirty="0" err="1" smtClean="0">
+              <a:rPr lang="en-US" sz="1050" b="1" dirty="0" err="1">
                 <a:solidFill>
                   <a:schemeClr val="accent6">
                     <a:lumMod val="75000"/>
@@ -4600,27 +4577,17 @@
               </a:rPr>
               <a:t>XmlSerializable</a:t>
             </a:r>
-            <a:r>
-              <a:rPr lang="en-US" sz="1050" b="1" dirty="0" smtClean="0">
+            <a:br>
+              <a:rPr lang="en-US" sz="1050" b="1" dirty="0">
                 <a:solidFill>
                   <a:schemeClr val="accent6">
                     <a:lumMod val="75000"/>
                   </a:schemeClr>
                 </a:solidFill>
               </a:rPr>
-              <a:t/>
-            </a:r>
-            <a:br>
-              <a:rPr lang="en-US" sz="1050" b="1" dirty="0" smtClean="0">
-                <a:solidFill>
-                  <a:schemeClr val="accent6">
-                    <a:lumMod val="75000"/>
-                  </a:schemeClr>
-                </a:solidFill>
-              </a:rPr>
             </a:br>
             <a:r>
-              <a:rPr lang="en-US" sz="1050" b="1" dirty="0" err="1" smtClean="0">
+              <a:rPr lang="en-US" sz="1050" b="1" dirty="0" err="1">
                 <a:solidFill>
                   <a:schemeClr val="accent6">
                     <a:lumMod val="75000"/>
@@ -4717,7 +4684,7 @@
           <a:p>
             <a:pPr algn="ctr"/>
             <a:r>
-              <a:rPr lang="en-US" sz="1050" b="1" dirty="0" err="1" smtClean="0">
+              <a:rPr lang="en-US" sz="1050" b="1" dirty="0" err="1">
                 <a:solidFill>
                   <a:schemeClr val="accent6">
                     <a:lumMod val="75000"/>
@@ -4773,7 +4740,7 @@
           <a:p>
             <a:pPr algn="ctr"/>
             <a:r>
-              <a:rPr lang="en-US" sz="1050" b="1" dirty="0" err="1" smtClean="0">
+              <a:rPr lang="en-US" sz="1050" b="1" dirty="0" err="1">
                 <a:solidFill>
                   <a:schemeClr val="accent6">
                     <a:lumMod val="75000"/>
@@ -4843,13 +4810,2478 @@
   <p:clrMapOvr>
     <a:masterClrMapping/>
   </p:clrMapOvr>
-  <p:timing>
-    <p:tnLst>
-      <p:par>
-        <p:cTn id="1" dur="indefinite" restart="never" nodeType="tmRoot"/>
-      </p:par>
-    </p:tnLst>
-  </p:timing>
+</p:sld>
+</file>
+
+<file path=ppt/slides/slide2.xml><?xml version="1.0" encoding="utf-8"?>
+<p:sld xmlns:a="http://schemas.openxmlformats.org/drawingml/2006/main" xmlns:r="http://schemas.openxmlformats.org/officeDocument/2006/relationships" xmlns:p="http://schemas.openxmlformats.org/presentationml/2006/main">
+  <p:cSld>
+    <p:spTree>
+      <p:nvGrpSpPr>
+        <p:cNvPr id="1" name=""/>
+        <p:cNvGrpSpPr/>
+        <p:nvPr/>
+      </p:nvGrpSpPr>
+      <p:grpSpPr>
+        <a:xfrm>
+          <a:off x="0" y="0"/>
+          <a:ext cx="0" cy="0"/>
+          <a:chOff x="0" y="0"/>
+          <a:chExt cx="0" cy="0"/>
+        </a:xfrm>
+      </p:grpSpPr>
+      <p:sp>
+        <p:nvSpPr>
+          <p:cNvPr id="118" name="Rectangle 65"/>
+          <p:cNvSpPr/>
+          <p:nvPr/>
+        </p:nvSpPr>
+        <p:spPr>
+          <a:xfrm>
+            <a:off x="457200" y="1010620"/>
+            <a:ext cx="7871735" cy="2872720"/>
+          </a:xfrm>
+          <a:prstGeom prst="roundRect">
+            <a:avLst>
+              <a:gd name="adj" fmla="val 3484"/>
+            </a:avLst>
+          </a:prstGeom>
+          <a:solidFill>
+            <a:schemeClr val="accent6">
+              <a:lumMod val="20000"/>
+              <a:lumOff val="80000"/>
+            </a:schemeClr>
+          </a:solidFill>
+          <a:ln w="19050">
+            <a:noFill/>
+          </a:ln>
+          <a:effectLst/>
+        </p:spPr>
+        <p:style>
+          <a:lnRef idx="1">
+            <a:schemeClr val="accent2"/>
+          </a:lnRef>
+          <a:fillRef idx="2">
+            <a:schemeClr val="accent2"/>
+          </a:fillRef>
+          <a:effectRef idx="1">
+            <a:schemeClr val="accent2"/>
+          </a:effectRef>
+          <a:fontRef idx="minor">
+            <a:schemeClr val="dk1"/>
+          </a:fontRef>
+        </p:style>
+        <p:txBody>
+          <a:bodyPr rtlCol="0" anchor="t"/>
+          <a:lstStyle/>
+          <a:p>
+            <a:r>
+              <a:rPr lang="en-US" sz="1200" b="1" dirty="0">
+                <a:solidFill>
+                  <a:schemeClr val="accent6">
+                    <a:lumMod val="75000"/>
+                  </a:schemeClr>
+                </a:solidFill>
+              </a:rPr>
+              <a:t>Storage</a:t>
+            </a:r>
+            <a:endParaRPr lang="en-SG" sz="1200" b="1" dirty="0">
+              <a:solidFill>
+                <a:schemeClr val="accent6">
+                  <a:lumMod val="75000"/>
+                </a:schemeClr>
+              </a:solidFill>
+            </a:endParaRPr>
+          </a:p>
+        </p:txBody>
+      </p:sp>
+      <p:sp>
+        <p:nvSpPr>
+          <p:cNvPr id="2" name="Rectangle 8"/>
+          <p:cNvSpPr/>
+          <p:nvPr/>
+        </p:nvSpPr>
+        <p:spPr>
+          <a:xfrm>
+            <a:off x="2214515" y="2062658"/>
+            <a:ext cx="1323049" cy="346760"/>
+          </a:xfrm>
+          <a:prstGeom prst="rect">
+            <a:avLst/>
+          </a:prstGeom>
+          <a:solidFill>
+            <a:schemeClr val="accent6">
+              <a:lumMod val="75000"/>
+            </a:schemeClr>
+          </a:solidFill>
+          <a:ln w="19050">
+            <a:solidFill>
+              <a:schemeClr val="accent6">
+                <a:lumMod val="75000"/>
+              </a:schemeClr>
+            </a:solidFill>
+          </a:ln>
+          <a:effectLst/>
+        </p:spPr>
+        <p:style>
+          <a:lnRef idx="1">
+            <a:schemeClr val="accent2"/>
+          </a:lnRef>
+          <a:fillRef idx="2">
+            <a:schemeClr val="accent2"/>
+          </a:fillRef>
+          <a:effectRef idx="1">
+            <a:schemeClr val="accent2"/>
+          </a:effectRef>
+          <a:fontRef idx="minor">
+            <a:schemeClr val="dk1"/>
+          </a:fontRef>
+        </p:style>
+        <p:txBody>
+          <a:bodyPr rtlCol="0" anchor="ctr"/>
+          <a:lstStyle/>
+          <a:p>
+            <a:pPr algn="ctr"/>
+            <a:r>
+              <a:rPr lang="en-US" sz="1050" dirty="0">
+                <a:solidFill>
+                  <a:schemeClr val="bg1"/>
+                </a:solidFill>
+              </a:rPr>
+              <a:t>&lt;&lt;interface&gt;&gt;</a:t>
+            </a:r>
+            <a:br>
+              <a:rPr lang="en-US" sz="1050" dirty="0">
+                <a:solidFill>
+                  <a:schemeClr val="bg1"/>
+                </a:solidFill>
+              </a:rPr>
+            </a:br>
+            <a:r>
+              <a:rPr lang="en-US" sz="1050" dirty="0" err="1">
+                <a:solidFill>
+                  <a:schemeClr val="bg1"/>
+                </a:solidFill>
+              </a:rPr>
+              <a:t>EntryBookStorage</a:t>
+            </a:r>
+            <a:endParaRPr lang="en-SG" sz="1050" dirty="0">
+              <a:solidFill>
+                <a:schemeClr val="bg1"/>
+              </a:solidFill>
+            </a:endParaRPr>
+          </a:p>
+        </p:txBody>
+      </p:sp>
+      <p:sp>
+        <p:nvSpPr>
+          <p:cNvPr id="9" name="Rectangle 62"/>
+          <p:cNvSpPr/>
+          <p:nvPr/>
+        </p:nvSpPr>
+        <p:spPr>
+          <a:xfrm rot="16200000">
+            <a:off x="466659" y="2327544"/>
+            <a:ext cx="2202914" cy="346760"/>
+          </a:xfrm>
+          <a:prstGeom prst="rect">
+            <a:avLst/>
+          </a:prstGeom>
+          <a:solidFill>
+            <a:schemeClr val="accent6">
+              <a:lumMod val="75000"/>
+            </a:schemeClr>
+          </a:solidFill>
+          <a:ln w="19050">
+            <a:solidFill>
+              <a:schemeClr val="accent6">
+                <a:lumMod val="75000"/>
+              </a:schemeClr>
+            </a:solidFill>
+          </a:ln>
+          <a:effectLst/>
+        </p:spPr>
+        <p:style>
+          <a:lnRef idx="1">
+            <a:schemeClr val="accent2"/>
+          </a:lnRef>
+          <a:fillRef idx="2">
+            <a:schemeClr val="accent2"/>
+          </a:fillRef>
+          <a:effectRef idx="1">
+            <a:schemeClr val="accent2"/>
+          </a:effectRef>
+          <a:fontRef idx="minor">
+            <a:schemeClr val="dk1"/>
+          </a:fontRef>
+        </p:style>
+        <p:txBody>
+          <a:bodyPr rtlCol="0" anchor="ctr"/>
+          <a:lstStyle/>
+          <a:p>
+            <a:pPr algn="ctr"/>
+            <a:r>
+              <a:rPr lang="en-US" sz="1050" dirty="0" err="1">
+                <a:solidFill>
+                  <a:schemeClr val="bg1"/>
+                </a:solidFill>
+              </a:rPr>
+              <a:t>StorageManager</a:t>
+            </a:r>
+            <a:endParaRPr lang="en-SG" sz="1050" dirty="0">
+              <a:solidFill>
+                <a:schemeClr val="bg1"/>
+              </a:solidFill>
+            </a:endParaRPr>
+          </a:p>
+        </p:txBody>
+      </p:sp>
+      <p:sp>
+        <p:nvSpPr>
+          <p:cNvPr id="119" name="Rectangle 62"/>
+          <p:cNvSpPr/>
+          <p:nvPr/>
+        </p:nvSpPr>
+        <p:spPr>
+          <a:xfrm rot="16200000">
+            <a:off x="293537" y="1765420"/>
+            <a:ext cx="1093635" cy="346760"/>
+          </a:xfrm>
+          <a:prstGeom prst="rect">
+            <a:avLst/>
+          </a:prstGeom>
+          <a:solidFill>
+            <a:schemeClr val="accent6">
+              <a:lumMod val="75000"/>
+            </a:schemeClr>
+          </a:solidFill>
+          <a:ln w="19050">
+            <a:solidFill>
+              <a:schemeClr val="accent6">
+                <a:lumMod val="75000"/>
+              </a:schemeClr>
+            </a:solidFill>
+          </a:ln>
+          <a:effectLst/>
+        </p:spPr>
+        <p:style>
+          <a:lnRef idx="1">
+            <a:schemeClr val="accent2"/>
+          </a:lnRef>
+          <a:fillRef idx="2">
+            <a:schemeClr val="accent2"/>
+          </a:fillRef>
+          <a:effectRef idx="1">
+            <a:schemeClr val="accent2"/>
+          </a:effectRef>
+          <a:fontRef idx="minor">
+            <a:schemeClr val="dk1"/>
+          </a:fontRef>
+        </p:style>
+        <p:txBody>
+          <a:bodyPr rtlCol="0" anchor="ctr"/>
+          <a:lstStyle/>
+          <a:p>
+            <a:pPr algn="ctr"/>
+            <a:r>
+              <a:rPr lang="en-US" sz="1050" dirty="0">
+                <a:solidFill>
+                  <a:schemeClr val="bg1"/>
+                </a:solidFill>
+              </a:rPr>
+              <a:t>&lt;&lt;interface&gt;&gt;</a:t>
+            </a:r>
+          </a:p>
+          <a:p>
+            <a:pPr algn="ctr"/>
+            <a:r>
+              <a:rPr lang="en-US" sz="1050" dirty="0">
+                <a:solidFill>
+                  <a:schemeClr val="bg1"/>
+                </a:solidFill>
+              </a:rPr>
+              <a:t>Storage</a:t>
+            </a:r>
+            <a:endParaRPr lang="en-SG" sz="1050" dirty="0">
+              <a:solidFill>
+                <a:schemeClr val="bg1"/>
+              </a:solidFill>
+            </a:endParaRPr>
+          </a:p>
+        </p:txBody>
+      </p:sp>
+      <p:sp>
+        <p:nvSpPr>
+          <p:cNvPr id="120" name="Isosceles Triangle 102"/>
+          <p:cNvSpPr/>
+          <p:nvPr/>
+        </p:nvSpPr>
+        <p:spPr>
+          <a:xfrm rot="16200000">
+            <a:off x="964245" y="1856509"/>
+            <a:ext cx="270504" cy="175523"/>
+          </a:xfrm>
+          <a:prstGeom prst="triangle">
+            <a:avLst/>
+          </a:prstGeom>
+          <a:solidFill>
+            <a:schemeClr val="accent6">
+              <a:lumMod val="75000"/>
+            </a:schemeClr>
+          </a:solidFill>
+          <a:ln w="19050">
+            <a:solidFill>
+              <a:schemeClr val="accent6">
+                <a:lumMod val="75000"/>
+              </a:schemeClr>
+            </a:solidFill>
+          </a:ln>
+          <a:effectLst/>
+        </p:spPr>
+        <p:style>
+          <a:lnRef idx="1">
+            <a:schemeClr val="accent2"/>
+          </a:lnRef>
+          <a:fillRef idx="2">
+            <a:schemeClr val="accent2"/>
+          </a:fillRef>
+          <a:effectRef idx="1">
+            <a:schemeClr val="accent2"/>
+          </a:effectRef>
+          <a:fontRef idx="minor">
+            <a:schemeClr val="dk1"/>
+          </a:fontRef>
+        </p:style>
+        <p:txBody>
+          <a:bodyPr rtlCol="0" anchor="ctr"/>
+          <a:lstStyle/>
+          <a:p>
+            <a:pPr algn="ctr"/>
+            <a:endParaRPr lang="en-SG" sz="1050">
+              <a:solidFill>
+                <a:schemeClr val="bg1"/>
+              </a:solidFill>
+            </a:endParaRPr>
+          </a:p>
+        </p:txBody>
+      </p:sp>
+      <p:cxnSp>
+        <p:nvCxnSpPr>
+          <p:cNvPr id="58" name="Straight Arrow Connector 57"/>
+          <p:cNvCxnSpPr>
+            <a:stCxn id="42" idx="3"/>
+            <a:endCxn id="2" idx="1"/>
+          </p:cNvCxnSpPr>
+          <p:nvPr/>
+        </p:nvCxnSpPr>
+        <p:spPr>
+          <a:xfrm>
+            <a:off x="1993705" y="2230754"/>
+            <a:ext cx="220810" cy="5284"/>
+          </a:xfrm>
+          <a:prstGeom prst="straightConnector1">
+            <a:avLst/>
+          </a:prstGeom>
+          <a:ln w="19050">
+            <a:solidFill>
+              <a:schemeClr val="accent6">
+                <a:lumMod val="75000"/>
+              </a:schemeClr>
+            </a:solidFill>
+            <a:headEnd type="none" w="med" len="med"/>
+            <a:tailEnd type="arrow" w="med" len="med"/>
+          </a:ln>
+          <a:effectLst/>
+        </p:spPr>
+        <p:style>
+          <a:lnRef idx="1">
+            <a:schemeClr val="accent2"/>
+          </a:lnRef>
+          <a:fillRef idx="2">
+            <a:schemeClr val="accent2"/>
+          </a:fillRef>
+          <a:effectRef idx="1">
+            <a:schemeClr val="accent2"/>
+          </a:effectRef>
+          <a:fontRef idx="minor">
+            <a:schemeClr val="dk1"/>
+          </a:fontRef>
+        </p:style>
+      </p:cxnSp>
+      <p:cxnSp>
+        <p:nvCxnSpPr>
+          <p:cNvPr id="75" name="Elbow Connector 122"/>
+          <p:cNvCxnSpPr/>
+          <p:nvPr/>
+        </p:nvCxnSpPr>
+        <p:spPr>
+          <a:xfrm>
+            <a:off x="247426" y="1944271"/>
+            <a:ext cx="419548" cy="2860"/>
+          </a:xfrm>
+          <a:prstGeom prst="bentConnector3">
+            <a:avLst>
+              <a:gd name="adj1" fmla="val 50000"/>
+            </a:avLst>
+          </a:prstGeom>
+          <a:ln w="19050">
+            <a:solidFill>
+              <a:schemeClr val="bg1">
+                <a:lumMod val="75000"/>
+              </a:schemeClr>
+            </a:solidFill>
+            <a:prstDash val="sysDot"/>
+            <a:headEnd type="none" w="med" len="med"/>
+            <a:tailEnd type="arrow" w="med" len="med"/>
+          </a:ln>
+          <a:effectLst/>
+        </p:spPr>
+        <p:style>
+          <a:lnRef idx="1">
+            <a:schemeClr val="accent2"/>
+          </a:lnRef>
+          <a:fillRef idx="2">
+            <a:schemeClr val="accent2"/>
+          </a:fillRef>
+          <a:effectRef idx="1">
+            <a:schemeClr val="accent2"/>
+          </a:effectRef>
+          <a:fontRef idx="minor">
+            <a:schemeClr val="dk1"/>
+          </a:fontRef>
+        </p:style>
+      </p:cxnSp>
+      <p:cxnSp>
+        <p:nvCxnSpPr>
+          <p:cNvPr id="21" name="Straight Connector 20"/>
+          <p:cNvCxnSpPr>
+            <a:stCxn id="120" idx="3"/>
+          </p:cNvCxnSpPr>
+          <p:nvPr/>
+        </p:nvCxnSpPr>
+        <p:spPr>
+          <a:xfrm flipV="1">
+            <a:off x="1187259" y="1944270"/>
+            <a:ext cx="216105" cy="1"/>
+          </a:xfrm>
+          <a:prstGeom prst="line">
+            <a:avLst/>
+          </a:prstGeom>
+          <a:ln w="19050">
+            <a:solidFill>
+              <a:schemeClr val="accent6">
+                <a:lumMod val="75000"/>
+              </a:schemeClr>
+            </a:solidFill>
+            <a:prstDash val="sysDot"/>
+            <a:headEnd type="none" w="med" len="med"/>
+            <a:tailEnd type="none" w="med" len="med"/>
+          </a:ln>
+          <a:effectLst/>
+        </p:spPr>
+        <p:style>
+          <a:lnRef idx="1">
+            <a:schemeClr val="accent2"/>
+          </a:lnRef>
+          <a:fillRef idx="2">
+            <a:schemeClr val="accent2"/>
+          </a:fillRef>
+          <a:effectRef idx="1">
+            <a:schemeClr val="accent2"/>
+          </a:effectRef>
+          <a:fontRef idx="minor">
+            <a:schemeClr val="dk1"/>
+          </a:fontRef>
+        </p:style>
+      </p:cxnSp>
+      <p:sp>
+        <p:nvSpPr>
+          <p:cNvPr id="42" name="Flowchart: Decision 96"/>
+          <p:cNvSpPr/>
+          <p:nvPr/>
+        </p:nvSpPr>
+        <p:spPr>
+          <a:xfrm>
+            <a:off x="1757657" y="2144064"/>
+            <a:ext cx="236048" cy="173380"/>
+          </a:xfrm>
+          <a:prstGeom prst="flowChartDecision">
+            <a:avLst/>
+          </a:prstGeom>
+          <a:noFill/>
+          <a:ln w="19050">
+            <a:solidFill>
+              <a:schemeClr val="accent6">
+                <a:lumMod val="75000"/>
+              </a:schemeClr>
+            </a:solidFill>
+          </a:ln>
+          <a:effectLst/>
+        </p:spPr>
+        <p:style>
+          <a:lnRef idx="1">
+            <a:schemeClr val="accent2"/>
+          </a:lnRef>
+          <a:fillRef idx="2">
+            <a:schemeClr val="accent2"/>
+          </a:fillRef>
+          <a:effectRef idx="1">
+            <a:schemeClr val="accent2"/>
+          </a:effectRef>
+          <a:fontRef idx="minor">
+            <a:schemeClr val="dk1"/>
+          </a:fontRef>
+        </p:style>
+        <p:txBody>
+          <a:bodyPr rtlCol="0" anchor="ctr"/>
+          <a:lstStyle/>
+          <a:p>
+            <a:pPr algn="ctr"/>
+            <a:endParaRPr lang="en-US" sz="1050">
+              <a:solidFill>
+                <a:schemeClr val="bg1"/>
+              </a:solidFill>
+            </a:endParaRPr>
+          </a:p>
+        </p:txBody>
+      </p:sp>
+      <p:cxnSp>
+        <p:nvCxnSpPr>
+          <p:cNvPr id="97" name="Elbow Connector 63"/>
+          <p:cNvCxnSpPr>
+            <a:stCxn id="99" idx="3"/>
+            <a:endCxn id="50" idx="1"/>
+          </p:cNvCxnSpPr>
+          <p:nvPr/>
+        </p:nvCxnSpPr>
+        <p:spPr>
+          <a:xfrm flipV="1">
+            <a:off x="3735376" y="2236038"/>
+            <a:ext cx="223324" cy="1"/>
+          </a:xfrm>
+          <a:prstGeom prst="bentConnector3">
+            <a:avLst>
+              <a:gd name="adj1" fmla="val 50000"/>
+            </a:avLst>
+          </a:prstGeom>
+          <a:ln w="19050">
+            <a:solidFill>
+              <a:schemeClr val="accent6">
+                <a:lumMod val="75000"/>
+              </a:schemeClr>
+            </a:solidFill>
+            <a:prstDash val="sysDot"/>
+            <a:headEnd type="none" w="med" len="med"/>
+            <a:tailEnd type="none" w="med" len="med"/>
+          </a:ln>
+          <a:effectLst/>
+        </p:spPr>
+        <p:style>
+          <a:lnRef idx="1">
+            <a:schemeClr val="accent2"/>
+          </a:lnRef>
+          <a:fillRef idx="2">
+            <a:schemeClr val="accent2"/>
+          </a:fillRef>
+          <a:effectRef idx="1">
+            <a:schemeClr val="accent2"/>
+          </a:effectRef>
+          <a:fontRef idx="minor">
+            <a:schemeClr val="dk1"/>
+          </a:fontRef>
+        </p:style>
+      </p:cxnSp>
+      <p:sp>
+        <p:nvSpPr>
+          <p:cNvPr id="99" name="Isosceles Triangle 102"/>
+          <p:cNvSpPr/>
+          <p:nvPr/>
+        </p:nvSpPr>
+        <p:spPr>
+          <a:xfrm rot="5400000" flipV="1">
+            <a:off x="3512362" y="2148277"/>
+            <a:ext cx="270504" cy="175523"/>
+          </a:xfrm>
+          <a:prstGeom prst="triangle">
+            <a:avLst/>
+          </a:prstGeom>
+          <a:solidFill>
+            <a:schemeClr val="accent6">
+              <a:lumMod val="75000"/>
+            </a:schemeClr>
+          </a:solidFill>
+          <a:ln w="19050">
+            <a:solidFill>
+              <a:schemeClr val="accent6">
+                <a:lumMod val="75000"/>
+              </a:schemeClr>
+            </a:solidFill>
+          </a:ln>
+          <a:effectLst/>
+        </p:spPr>
+        <p:style>
+          <a:lnRef idx="1">
+            <a:schemeClr val="accent2"/>
+          </a:lnRef>
+          <a:fillRef idx="2">
+            <a:schemeClr val="accent2"/>
+          </a:fillRef>
+          <a:effectRef idx="1">
+            <a:schemeClr val="accent2"/>
+          </a:effectRef>
+          <a:fontRef idx="minor">
+            <a:schemeClr val="dk1"/>
+          </a:fontRef>
+        </p:style>
+        <p:txBody>
+          <a:bodyPr rtlCol="0" anchor="ctr"/>
+          <a:lstStyle/>
+          <a:p>
+            <a:pPr algn="ctr"/>
+            <a:endParaRPr lang="en-SG" sz="1050">
+              <a:solidFill>
+                <a:schemeClr val="bg1"/>
+              </a:solidFill>
+            </a:endParaRPr>
+          </a:p>
+        </p:txBody>
+      </p:sp>
+      <p:cxnSp>
+        <p:nvCxnSpPr>
+          <p:cNvPr id="124" name="Elbow Connector 122"/>
+          <p:cNvCxnSpPr>
+            <a:stCxn id="50" idx="3"/>
+            <a:endCxn id="66" idx="1"/>
+          </p:cNvCxnSpPr>
+          <p:nvPr/>
+        </p:nvCxnSpPr>
+        <p:spPr>
+          <a:xfrm>
+            <a:off x="5128535" y="2236038"/>
+            <a:ext cx="228600" cy="1970"/>
+          </a:xfrm>
+          <a:prstGeom prst="bentConnector3">
+            <a:avLst>
+              <a:gd name="adj1" fmla="val 50000"/>
+            </a:avLst>
+          </a:prstGeom>
+          <a:ln w="19050">
+            <a:solidFill>
+              <a:schemeClr val="accent6">
+                <a:lumMod val="75000"/>
+              </a:schemeClr>
+            </a:solidFill>
+            <a:prstDash val="sysDot"/>
+            <a:headEnd type="none" w="med" len="med"/>
+            <a:tailEnd type="arrow" w="med" len="med"/>
+          </a:ln>
+          <a:effectLst/>
+        </p:spPr>
+        <p:style>
+          <a:lnRef idx="1">
+            <a:schemeClr val="accent2"/>
+          </a:lnRef>
+          <a:fillRef idx="2">
+            <a:schemeClr val="accent2"/>
+          </a:fillRef>
+          <a:effectRef idx="1">
+            <a:schemeClr val="accent2"/>
+          </a:effectRef>
+          <a:fontRef idx="minor">
+            <a:schemeClr val="dk1"/>
+          </a:fontRef>
+        </p:style>
+      </p:cxnSp>
+      <p:sp>
+        <p:nvSpPr>
+          <p:cNvPr id="50" name="Rectangle 8"/>
+          <p:cNvSpPr/>
+          <p:nvPr/>
+        </p:nvSpPr>
+        <p:spPr>
+          <a:xfrm>
+            <a:off x="3958700" y="2062658"/>
+            <a:ext cx="1169835" cy="346760"/>
+          </a:xfrm>
+          <a:prstGeom prst="rect">
+            <a:avLst/>
+          </a:prstGeom>
+          <a:ln w="19050"/>
+          <a:effectLst/>
+        </p:spPr>
+        <p:style>
+          <a:lnRef idx="1">
+            <a:schemeClr val="accent6"/>
+          </a:lnRef>
+          <a:fillRef idx="2">
+            <a:schemeClr val="accent6"/>
+          </a:fillRef>
+          <a:effectRef idx="1">
+            <a:schemeClr val="accent6"/>
+          </a:effectRef>
+          <a:fontRef idx="minor">
+            <a:schemeClr val="dk1"/>
+          </a:fontRef>
+        </p:style>
+        <p:txBody>
+          <a:bodyPr rtlCol="0" anchor="ctr"/>
+          <a:lstStyle/>
+          <a:p>
+            <a:pPr algn="ctr"/>
+            <a:r>
+              <a:rPr lang="en-US" sz="1050" b="1" dirty="0" err="1">
+                <a:solidFill>
+                  <a:schemeClr val="accent6">
+                    <a:lumMod val="75000"/>
+                  </a:schemeClr>
+                </a:solidFill>
+              </a:rPr>
+              <a:t>XmlEntryBook</a:t>
+            </a:r>
+            <a:br>
+              <a:rPr lang="en-US" sz="1050" b="1" dirty="0">
+                <a:solidFill>
+                  <a:schemeClr val="accent6">
+                    <a:lumMod val="75000"/>
+                  </a:schemeClr>
+                </a:solidFill>
+              </a:rPr>
+            </a:br>
+            <a:r>
+              <a:rPr lang="en-US" sz="1050" b="1" dirty="0">
+                <a:solidFill>
+                  <a:schemeClr val="accent6">
+                    <a:lumMod val="75000"/>
+                  </a:schemeClr>
+                </a:solidFill>
+              </a:rPr>
+              <a:t>Storage</a:t>
+            </a:r>
+            <a:endParaRPr lang="en-SG" sz="1050" b="1" dirty="0">
+              <a:solidFill>
+                <a:schemeClr val="accent6">
+                  <a:lumMod val="75000"/>
+                </a:schemeClr>
+              </a:solidFill>
+            </a:endParaRPr>
+          </a:p>
+        </p:txBody>
+      </p:sp>
+      <p:sp>
+        <p:nvSpPr>
+          <p:cNvPr id="52" name="Rectangle 8"/>
+          <p:cNvSpPr/>
+          <p:nvPr/>
+        </p:nvSpPr>
+        <p:spPr>
+          <a:xfrm>
+            <a:off x="2211278" y="1462258"/>
+            <a:ext cx="1323049" cy="346760"/>
+          </a:xfrm>
+          <a:prstGeom prst="rect">
+            <a:avLst/>
+          </a:prstGeom>
+          <a:solidFill>
+            <a:schemeClr val="accent6">
+              <a:lumMod val="75000"/>
+            </a:schemeClr>
+          </a:solidFill>
+          <a:ln w="19050">
+            <a:solidFill>
+              <a:schemeClr val="accent6">
+                <a:lumMod val="75000"/>
+              </a:schemeClr>
+            </a:solidFill>
+          </a:ln>
+          <a:effectLst/>
+        </p:spPr>
+        <p:style>
+          <a:lnRef idx="1">
+            <a:schemeClr val="accent2"/>
+          </a:lnRef>
+          <a:fillRef idx="2">
+            <a:schemeClr val="accent2"/>
+          </a:fillRef>
+          <a:effectRef idx="1">
+            <a:schemeClr val="accent2"/>
+          </a:effectRef>
+          <a:fontRef idx="minor">
+            <a:schemeClr val="dk1"/>
+          </a:fontRef>
+        </p:style>
+        <p:txBody>
+          <a:bodyPr rtlCol="0" anchor="ctr"/>
+          <a:lstStyle/>
+          <a:p>
+            <a:pPr algn="ctr"/>
+            <a:r>
+              <a:rPr lang="en-US" sz="1050" dirty="0">
+                <a:solidFill>
+                  <a:schemeClr val="bg1"/>
+                </a:solidFill>
+              </a:rPr>
+              <a:t>&lt;&lt;interface&gt;&gt;</a:t>
+            </a:r>
+            <a:br>
+              <a:rPr lang="en-US" sz="1050" dirty="0">
+                <a:solidFill>
+                  <a:schemeClr val="bg1"/>
+                </a:solidFill>
+              </a:rPr>
+            </a:br>
+            <a:r>
+              <a:rPr lang="en-US" sz="1050" dirty="0" err="1">
+                <a:solidFill>
+                  <a:schemeClr val="bg1"/>
+                </a:solidFill>
+              </a:rPr>
+              <a:t>UserPrefsStorage</a:t>
+            </a:r>
+            <a:endParaRPr lang="en-SG" sz="1050" dirty="0">
+              <a:solidFill>
+                <a:schemeClr val="bg1"/>
+              </a:solidFill>
+            </a:endParaRPr>
+          </a:p>
+        </p:txBody>
+      </p:sp>
+      <p:cxnSp>
+        <p:nvCxnSpPr>
+          <p:cNvPr id="54" name="Straight Arrow Connector 53"/>
+          <p:cNvCxnSpPr>
+            <a:stCxn id="56" idx="3"/>
+            <a:endCxn id="52" idx="1"/>
+          </p:cNvCxnSpPr>
+          <p:nvPr/>
+        </p:nvCxnSpPr>
+        <p:spPr>
+          <a:xfrm>
+            <a:off x="1990468" y="1630354"/>
+            <a:ext cx="220810" cy="5284"/>
+          </a:xfrm>
+          <a:prstGeom prst="straightConnector1">
+            <a:avLst/>
+          </a:prstGeom>
+          <a:ln w="19050">
+            <a:solidFill>
+              <a:schemeClr val="accent6">
+                <a:lumMod val="75000"/>
+              </a:schemeClr>
+            </a:solidFill>
+            <a:headEnd type="none" w="med" len="med"/>
+            <a:tailEnd type="arrow" w="med" len="med"/>
+          </a:ln>
+          <a:effectLst/>
+        </p:spPr>
+        <p:style>
+          <a:lnRef idx="1">
+            <a:schemeClr val="accent2"/>
+          </a:lnRef>
+          <a:fillRef idx="2">
+            <a:schemeClr val="accent2"/>
+          </a:fillRef>
+          <a:effectRef idx="1">
+            <a:schemeClr val="accent2"/>
+          </a:effectRef>
+          <a:fontRef idx="minor">
+            <a:schemeClr val="dk1"/>
+          </a:fontRef>
+        </p:style>
+      </p:cxnSp>
+      <p:sp>
+        <p:nvSpPr>
+          <p:cNvPr id="56" name="Flowchart: Decision 96"/>
+          <p:cNvSpPr/>
+          <p:nvPr/>
+        </p:nvSpPr>
+        <p:spPr>
+          <a:xfrm>
+            <a:off x="1754420" y="1543664"/>
+            <a:ext cx="236048" cy="173380"/>
+          </a:xfrm>
+          <a:prstGeom prst="flowChartDecision">
+            <a:avLst/>
+          </a:prstGeom>
+          <a:noFill/>
+          <a:ln w="19050">
+            <a:solidFill>
+              <a:schemeClr val="accent6">
+                <a:lumMod val="75000"/>
+              </a:schemeClr>
+            </a:solidFill>
+          </a:ln>
+          <a:effectLst/>
+        </p:spPr>
+        <p:style>
+          <a:lnRef idx="1">
+            <a:schemeClr val="accent2"/>
+          </a:lnRef>
+          <a:fillRef idx="2">
+            <a:schemeClr val="accent2"/>
+          </a:fillRef>
+          <a:effectRef idx="1">
+            <a:schemeClr val="accent2"/>
+          </a:effectRef>
+          <a:fontRef idx="minor">
+            <a:schemeClr val="dk1"/>
+          </a:fontRef>
+        </p:style>
+        <p:txBody>
+          <a:bodyPr rtlCol="0" anchor="ctr"/>
+          <a:lstStyle/>
+          <a:p>
+            <a:pPr algn="ctr"/>
+            <a:endParaRPr lang="en-US" sz="1050">
+              <a:solidFill>
+                <a:schemeClr val="bg1"/>
+              </a:solidFill>
+            </a:endParaRPr>
+          </a:p>
+        </p:txBody>
+      </p:sp>
+      <p:cxnSp>
+        <p:nvCxnSpPr>
+          <p:cNvPr id="60" name="Elbow Connector 63"/>
+          <p:cNvCxnSpPr>
+            <a:stCxn id="61" idx="3"/>
+            <a:endCxn id="65" idx="1"/>
+          </p:cNvCxnSpPr>
+          <p:nvPr/>
+        </p:nvCxnSpPr>
+        <p:spPr>
+          <a:xfrm flipV="1">
+            <a:off x="3732139" y="1635638"/>
+            <a:ext cx="223324" cy="1"/>
+          </a:xfrm>
+          <a:prstGeom prst="bentConnector3">
+            <a:avLst>
+              <a:gd name="adj1" fmla="val 50000"/>
+            </a:avLst>
+          </a:prstGeom>
+          <a:ln w="19050">
+            <a:solidFill>
+              <a:schemeClr val="accent6">
+                <a:lumMod val="75000"/>
+              </a:schemeClr>
+            </a:solidFill>
+            <a:prstDash val="sysDot"/>
+            <a:headEnd type="none" w="med" len="med"/>
+            <a:tailEnd type="none" w="med" len="med"/>
+          </a:ln>
+          <a:effectLst/>
+        </p:spPr>
+        <p:style>
+          <a:lnRef idx="1">
+            <a:schemeClr val="accent2"/>
+          </a:lnRef>
+          <a:fillRef idx="2">
+            <a:schemeClr val="accent2"/>
+          </a:fillRef>
+          <a:effectRef idx="1">
+            <a:schemeClr val="accent2"/>
+          </a:effectRef>
+          <a:fontRef idx="minor">
+            <a:schemeClr val="dk1"/>
+          </a:fontRef>
+        </p:style>
+      </p:cxnSp>
+      <p:sp>
+        <p:nvSpPr>
+          <p:cNvPr id="61" name="Isosceles Triangle 102"/>
+          <p:cNvSpPr/>
+          <p:nvPr/>
+        </p:nvSpPr>
+        <p:spPr>
+          <a:xfrm rot="5400000" flipV="1">
+            <a:off x="3509125" y="1547877"/>
+            <a:ext cx="270504" cy="175523"/>
+          </a:xfrm>
+          <a:prstGeom prst="triangle">
+            <a:avLst/>
+          </a:prstGeom>
+          <a:solidFill>
+            <a:schemeClr val="accent6">
+              <a:lumMod val="75000"/>
+            </a:schemeClr>
+          </a:solidFill>
+          <a:ln w="19050">
+            <a:solidFill>
+              <a:schemeClr val="accent6">
+                <a:lumMod val="75000"/>
+              </a:schemeClr>
+            </a:solidFill>
+          </a:ln>
+          <a:effectLst/>
+        </p:spPr>
+        <p:style>
+          <a:lnRef idx="1">
+            <a:schemeClr val="accent2"/>
+          </a:lnRef>
+          <a:fillRef idx="2">
+            <a:schemeClr val="accent2"/>
+          </a:fillRef>
+          <a:effectRef idx="1">
+            <a:schemeClr val="accent2"/>
+          </a:effectRef>
+          <a:fontRef idx="minor">
+            <a:schemeClr val="dk1"/>
+          </a:fontRef>
+        </p:style>
+        <p:txBody>
+          <a:bodyPr rtlCol="0" anchor="ctr"/>
+          <a:lstStyle/>
+          <a:p>
+            <a:pPr algn="ctr"/>
+            <a:endParaRPr lang="en-SG" sz="1050">
+              <a:solidFill>
+                <a:schemeClr val="bg1"/>
+              </a:solidFill>
+            </a:endParaRPr>
+          </a:p>
+        </p:txBody>
+      </p:sp>
+      <p:sp>
+        <p:nvSpPr>
+          <p:cNvPr id="65" name="Rectangle 8"/>
+          <p:cNvSpPr/>
+          <p:nvPr/>
+        </p:nvSpPr>
+        <p:spPr>
+          <a:xfrm>
+            <a:off x="3955463" y="1462258"/>
+            <a:ext cx="1093635" cy="346760"/>
+          </a:xfrm>
+          <a:prstGeom prst="rect">
+            <a:avLst/>
+          </a:prstGeom>
+          <a:solidFill>
+            <a:schemeClr val="accent6">
+              <a:lumMod val="75000"/>
+            </a:schemeClr>
+          </a:solidFill>
+          <a:ln w="19050">
+            <a:solidFill>
+              <a:schemeClr val="accent6">
+                <a:lumMod val="75000"/>
+              </a:schemeClr>
+            </a:solidFill>
+          </a:ln>
+          <a:effectLst/>
+        </p:spPr>
+        <p:style>
+          <a:lnRef idx="1">
+            <a:schemeClr val="accent2"/>
+          </a:lnRef>
+          <a:fillRef idx="2">
+            <a:schemeClr val="accent2"/>
+          </a:fillRef>
+          <a:effectRef idx="1">
+            <a:schemeClr val="accent2"/>
+          </a:effectRef>
+          <a:fontRef idx="minor">
+            <a:schemeClr val="dk1"/>
+          </a:fontRef>
+        </p:style>
+        <p:txBody>
+          <a:bodyPr rtlCol="0" anchor="ctr"/>
+          <a:lstStyle/>
+          <a:p>
+            <a:pPr algn="ctr"/>
+            <a:r>
+              <a:rPr lang="en-US" sz="1050" dirty="0" err="1">
+                <a:solidFill>
+                  <a:schemeClr val="bg1"/>
+                </a:solidFill>
+              </a:rPr>
+              <a:t>JsonUserPrefs</a:t>
+            </a:r>
+            <a:br>
+              <a:rPr lang="en-US" sz="1050" dirty="0">
+                <a:solidFill>
+                  <a:schemeClr val="bg1"/>
+                </a:solidFill>
+              </a:rPr>
+            </a:br>
+            <a:r>
+              <a:rPr lang="en-US" sz="1050" dirty="0">
+                <a:solidFill>
+                  <a:schemeClr val="bg1"/>
+                </a:solidFill>
+              </a:rPr>
+              <a:t>Storage</a:t>
+            </a:r>
+            <a:endParaRPr lang="en-SG" sz="1050" dirty="0">
+              <a:solidFill>
+                <a:schemeClr val="bg1"/>
+              </a:solidFill>
+            </a:endParaRPr>
+          </a:p>
+        </p:txBody>
+      </p:sp>
+      <p:sp>
+        <p:nvSpPr>
+          <p:cNvPr id="66" name="Rectangle 8"/>
+          <p:cNvSpPr/>
+          <p:nvPr/>
+        </p:nvSpPr>
+        <p:spPr>
+          <a:xfrm>
+            <a:off x="5357135" y="2064628"/>
+            <a:ext cx="1200707" cy="346760"/>
+          </a:xfrm>
+          <a:prstGeom prst="rect">
+            <a:avLst/>
+          </a:prstGeom>
+          <a:ln w="19050"/>
+          <a:effectLst/>
+        </p:spPr>
+        <p:style>
+          <a:lnRef idx="1">
+            <a:schemeClr val="accent6"/>
+          </a:lnRef>
+          <a:fillRef idx="2">
+            <a:schemeClr val="accent6"/>
+          </a:fillRef>
+          <a:effectRef idx="1">
+            <a:schemeClr val="accent6"/>
+          </a:effectRef>
+          <a:fontRef idx="minor">
+            <a:schemeClr val="dk1"/>
+          </a:fontRef>
+        </p:style>
+        <p:txBody>
+          <a:bodyPr rtlCol="0" anchor="ctr"/>
+          <a:lstStyle/>
+          <a:p>
+            <a:pPr algn="ctr"/>
+            <a:r>
+              <a:rPr lang="en-US" sz="1050" b="1" dirty="0" err="1">
+                <a:solidFill>
+                  <a:schemeClr val="accent6">
+                    <a:lumMod val="75000"/>
+                  </a:schemeClr>
+                </a:solidFill>
+              </a:rPr>
+              <a:t>XmlSerializable</a:t>
+            </a:r>
+            <a:br>
+              <a:rPr lang="en-US" sz="1050" b="1" dirty="0">
+                <a:solidFill>
+                  <a:schemeClr val="accent6">
+                    <a:lumMod val="75000"/>
+                  </a:schemeClr>
+                </a:solidFill>
+              </a:rPr>
+            </a:br>
+            <a:r>
+              <a:rPr lang="en-US" sz="1050" b="1" dirty="0" err="1">
+                <a:solidFill>
+                  <a:schemeClr val="accent6">
+                    <a:lumMod val="75000"/>
+                  </a:schemeClr>
+                </a:solidFill>
+              </a:rPr>
+              <a:t>EntryBook</a:t>
+            </a:r>
+            <a:endParaRPr lang="en-SG" sz="1050" b="1" dirty="0">
+              <a:solidFill>
+                <a:schemeClr val="accent6">
+                  <a:lumMod val="75000"/>
+                </a:schemeClr>
+              </a:solidFill>
+            </a:endParaRPr>
+          </a:p>
+        </p:txBody>
+      </p:sp>
+      <p:cxnSp>
+        <p:nvCxnSpPr>
+          <p:cNvPr id="70" name="Elbow Connector 122"/>
+          <p:cNvCxnSpPr>
+            <a:cxnSpLocks/>
+            <a:stCxn id="74" idx="2"/>
+            <a:endCxn id="73" idx="0"/>
+          </p:cNvCxnSpPr>
+          <p:nvPr/>
+        </p:nvCxnSpPr>
+        <p:spPr>
+          <a:xfrm rot="5400000">
+            <a:off x="7137414" y="2856120"/>
+            <a:ext cx="891037" cy="12700"/>
+          </a:xfrm>
+          <a:prstGeom prst="bentConnector3">
+            <a:avLst>
+              <a:gd name="adj1" fmla="val 50000"/>
+            </a:avLst>
+          </a:prstGeom>
+          <a:ln w="19050">
+            <a:prstDash val="sysDot"/>
+            <a:headEnd type="none" w="med" len="med"/>
+            <a:tailEnd type="arrow" w="med" len="med"/>
+          </a:ln>
+          <a:effectLst/>
+        </p:spPr>
+        <p:style>
+          <a:lnRef idx="1">
+            <a:schemeClr val="accent6"/>
+          </a:lnRef>
+          <a:fillRef idx="2">
+            <a:schemeClr val="accent6"/>
+          </a:fillRef>
+          <a:effectRef idx="1">
+            <a:schemeClr val="accent6"/>
+          </a:effectRef>
+          <a:fontRef idx="minor">
+            <a:schemeClr val="dk1"/>
+          </a:fontRef>
+        </p:style>
+      </p:cxnSp>
+      <p:sp>
+        <p:nvSpPr>
+          <p:cNvPr id="73" name="Rectangle 8"/>
+          <p:cNvSpPr/>
+          <p:nvPr/>
+        </p:nvSpPr>
+        <p:spPr>
+          <a:xfrm>
+            <a:off x="6953073" y="3301639"/>
+            <a:ext cx="1259718" cy="346760"/>
+          </a:xfrm>
+          <a:prstGeom prst="rect">
+            <a:avLst/>
+          </a:prstGeom>
+          <a:ln w="19050"/>
+          <a:effectLst/>
+        </p:spPr>
+        <p:style>
+          <a:lnRef idx="1">
+            <a:schemeClr val="accent6"/>
+          </a:lnRef>
+          <a:fillRef idx="2">
+            <a:schemeClr val="accent6"/>
+          </a:fillRef>
+          <a:effectRef idx="1">
+            <a:schemeClr val="accent6"/>
+          </a:effectRef>
+          <a:fontRef idx="minor">
+            <a:schemeClr val="dk1"/>
+          </a:fontRef>
+        </p:style>
+        <p:txBody>
+          <a:bodyPr rtlCol="0" anchor="ctr"/>
+          <a:lstStyle/>
+          <a:p>
+            <a:pPr algn="ctr"/>
+            <a:r>
+              <a:rPr lang="en-US" sz="1050" b="1" dirty="0" err="1">
+                <a:solidFill>
+                  <a:schemeClr val="accent6">
+                    <a:lumMod val="75000"/>
+                  </a:schemeClr>
+                </a:solidFill>
+              </a:rPr>
+              <a:t>XmlAdaptedTag</a:t>
+            </a:r>
+            <a:endParaRPr lang="en-SG" sz="1050" b="1" dirty="0">
+              <a:solidFill>
+                <a:schemeClr val="accent6">
+                  <a:lumMod val="75000"/>
+                </a:schemeClr>
+              </a:solidFill>
+            </a:endParaRPr>
+          </a:p>
+        </p:txBody>
+      </p:sp>
+      <p:sp>
+        <p:nvSpPr>
+          <p:cNvPr id="74" name="Rectangle 8"/>
+          <p:cNvSpPr/>
+          <p:nvPr/>
+        </p:nvSpPr>
+        <p:spPr>
+          <a:xfrm>
+            <a:off x="6953073" y="2063842"/>
+            <a:ext cx="1259718" cy="346760"/>
+          </a:xfrm>
+          <a:prstGeom prst="rect">
+            <a:avLst/>
+          </a:prstGeom>
+          <a:ln w="19050"/>
+          <a:effectLst/>
+        </p:spPr>
+        <p:style>
+          <a:lnRef idx="1">
+            <a:schemeClr val="accent6"/>
+          </a:lnRef>
+          <a:fillRef idx="2">
+            <a:schemeClr val="accent6"/>
+          </a:fillRef>
+          <a:effectRef idx="1">
+            <a:schemeClr val="accent6"/>
+          </a:effectRef>
+          <a:fontRef idx="minor">
+            <a:schemeClr val="dk1"/>
+          </a:fontRef>
+        </p:style>
+        <p:txBody>
+          <a:bodyPr rtlCol="0" anchor="ctr"/>
+          <a:lstStyle/>
+          <a:p>
+            <a:pPr algn="ctr"/>
+            <a:r>
+              <a:rPr lang="en-US" sz="1050" b="1" dirty="0" err="1">
+                <a:solidFill>
+                  <a:schemeClr val="accent6">
+                    <a:lumMod val="75000"/>
+                  </a:schemeClr>
+                </a:solidFill>
+              </a:rPr>
+              <a:t>XmlAdapted</a:t>
+            </a:r>
+            <a:br>
+              <a:rPr lang="en-US" sz="1050" b="1" dirty="0">
+                <a:solidFill>
+                  <a:schemeClr val="accent6">
+                    <a:lumMod val="75000"/>
+                  </a:schemeClr>
+                </a:solidFill>
+              </a:rPr>
+            </a:br>
+            <a:r>
+              <a:rPr lang="en-US" sz="1050" b="1" dirty="0" err="1">
+                <a:solidFill>
+                  <a:schemeClr val="accent6">
+                    <a:lumMod val="75000"/>
+                  </a:schemeClr>
+                </a:solidFill>
+              </a:rPr>
+              <a:t>ResumeEntry</a:t>
+            </a:r>
+            <a:endParaRPr lang="en-SG" sz="1050" b="1" dirty="0">
+              <a:solidFill>
+                <a:schemeClr val="accent6">
+                  <a:lumMod val="75000"/>
+                </a:schemeClr>
+              </a:solidFill>
+            </a:endParaRPr>
+          </a:p>
+        </p:txBody>
+      </p:sp>
+      <p:cxnSp>
+        <p:nvCxnSpPr>
+          <p:cNvPr id="77" name="Elbow Connector 122"/>
+          <p:cNvCxnSpPr>
+            <a:stCxn id="66" idx="3"/>
+            <a:endCxn id="74" idx="1"/>
+          </p:cNvCxnSpPr>
+          <p:nvPr/>
+        </p:nvCxnSpPr>
+        <p:spPr>
+          <a:xfrm flipV="1">
+            <a:off x="6557842" y="2237222"/>
+            <a:ext cx="395231" cy="786"/>
+          </a:xfrm>
+          <a:prstGeom prst="bentConnector3">
+            <a:avLst>
+              <a:gd name="adj1" fmla="val 50000"/>
+            </a:avLst>
+          </a:prstGeom>
+          <a:ln w="19050">
+            <a:prstDash val="sysDot"/>
+            <a:headEnd type="none" w="med" len="med"/>
+            <a:tailEnd type="arrow" w="med" len="med"/>
+          </a:ln>
+          <a:effectLst/>
+        </p:spPr>
+        <p:style>
+          <a:lnRef idx="1">
+            <a:schemeClr val="accent6"/>
+          </a:lnRef>
+          <a:fillRef idx="2">
+            <a:schemeClr val="accent6"/>
+          </a:fillRef>
+          <a:effectRef idx="1">
+            <a:schemeClr val="accent6"/>
+          </a:effectRef>
+          <a:fontRef idx="minor">
+            <a:schemeClr val="dk1"/>
+          </a:fontRef>
+        </p:style>
+      </p:cxnSp>
+      <p:sp>
+        <p:nvSpPr>
+          <p:cNvPr id="26" name="Rectangle 8">
+            <a:extLst>
+              <a:ext uri="{FF2B5EF4-FFF2-40B4-BE49-F238E27FC236}">
+                <a16:creationId xmlns:a16="http://schemas.microsoft.com/office/drawing/2014/main" id="{13964DAB-5BD7-4D0A-BF2B-B8D8F68B3144}"/>
+              </a:ext>
+            </a:extLst>
+          </p:cNvPr>
+          <p:cNvSpPr/>
+          <p:nvPr/>
+        </p:nvSpPr>
+        <p:spPr>
+          <a:xfrm>
+            <a:off x="2211278" y="2657474"/>
+            <a:ext cx="1323049" cy="346760"/>
+          </a:xfrm>
+          <a:prstGeom prst="rect">
+            <a:avLst/>
+          </a:prstGeom>
+          <a:solidFill>
+            <a:schemeClr val="accent6">
+              <a:lumMod val="75000"/>
+            </a:schemeClr>
+          </a:solidFill>
+          <a:ln w="19050">
+            <a:solidFill>
+              <a:schemeClr val="accent6">
+                <a:lumMod val="75000"/>
+              </a:schemeClr>
+            </a:solidFill>
+          </a:ln>
+          <a:effectLst/>
+        </p:spPr>
+        <p:style>
+          <a:lnRef idx="1">
+            <a:schemeClr val="accent2"/>
+          </a:lnRef>
+          <a:fillRef idx="2">
+            <a:schemeClr val="accent2"/>
+          </a:fillRef>
+          <a:effectRef idx="1">
+            <a:schemeClr val="accent2"/>
+          </a:effectRef>
+          <a:fontRef idx="minor">
+            <a:schemeClr val="dk1"/>
+          </a:fontRef>
+        </p:style>
+        <p:txBody>
+          <a:bodyPr rtlCol="0" anchor="ctr"/>
+          <a:lstStyle/>
+          <a:p>
+            <a:pPr algn="ctr"/>
+            <a:r>
+              <a:rPr lang="en-US" sz="1050" dirty="0">
+                <a:solidFill>
+                  <a:schemeClr val="bg1"/>
+                </a:solidFill>
+              </a:rPr>
+              <a:t>&lt;&lt;interface&gt;&gt;</a:t>
+            </a:r>
+            <a:br>
+              <a:rPr lang="en-US" sz="1050" dirty="0">
+                <a:solidFill>
+                  <a:schemeClr val="bg1"/>
+                </a:solidFill>
+              </a:rPr>
+            </a:br>
+            <a:r>
+              <a:rPr lang="en-US" sz="1050" dirty="0" err="1">
+                <a:solidFill>
+                  <a:schemeClr val="bg1"/>
+                </a:solidFill>
+              </a:rPr>
+              <a:t>TemplateStorage</a:t>
+            </a:r>
+            <a:endParaRPr lang="en-SG" sz="1050" dirty="0">
+              <a:solidFill>
+                <a:schemeClr val="bg1"/>
+              </a:solidFill>
+            </a:endParaRPr>
+          </a:p>
+        </p:txBody>
+      </p:sp>
+      <p:cxnSp>
+        <p:nvCxnSpPr>
+          <p:cNvPr id="27" name="Straight Arrow Connector 26">
+            <a:extLst>
+              <a:ext uri="{FF2B5EF4-FFF2-40B4-BE49-F238E27FC236}">
+                <a16:creationId xmlns:a16="http://schemas.microsoft.com/office/drawing/2014/main" id="{7DD6B69A-A62C-420A-9E33-1B5DEE09FB39}"/>
+              </a:ext>
+            </a:extLst>
+          </p:cNvPr>
+          <p:cNvCxnSpPr>
+            <a:stCxn id="28" idx="3"/>
+            <a:endCxn id="26" idx="1"/>
+          </p:cNvCxnSpPr>
+          <p:nvPr/>
+        </p:nvCxnSpPr>
+        <p:spPr>
+          <a:xfrm>
+            <a:off x="1990468" y="2825570"/>
+            <a:ext cx="220810" cy="5284"/>
+          </a:xfrm>
+          <a:prstGeom prst="straightConnector1">
+            <a:avLst/>
+          </a:prstGeom>
+          <a:ln w="19050">
+            <a:solidFill>
+              <a:schemeClr val="accent6">
+                <a:lumMod val="75000"/>
+              </a:schemeClr>
+            </a:solidFill>
+            <a:headEnd type="none" w="med" len="med"/>
+            <a:tailEnd type="arrow" w="med" len="med"/>
+          </a:ln>
+          <a:effectLst/>
+        </p:spPr>
+        <p:style>
+          <a:lnRef idx="1">
+            <a:schemeClr val="accent2"/>
+          </a:lnRef>
+          <a:fillRef idx="2">
+            <a:schemeClr val="accent2"/>
+          </a:fillRef>
+          <a:effectRef idx="1">
+            <a:schemeClr val="accent2"/>
+          </a:effectRef>
+          <a:fontRef idx="minor">
+            <a:schemeClr val="dk1"/>
+          </a:fontRef>
+        </p:style>
+      </p:cxnSp>
+      <p:sp>
+        <p:nvSpPr>
+          <p:cNvPr id="28" name="Flowchart: Decision 96">
+            <a:extLst>
+              <a:ext uri="{FF2B5EF4-FFF2-40B4-BE49-F238E27FC236}">
+                <a16:creationId xmlns:a16="http://schemas.microsoft.com/office/drawing/2014/main" id="{11B03AD1-0101-4B03-AEA9-788B3D001A78}"/>
+              </a:ext>
+            </a:extLst>
+          </p:cNvPr>
+          <p:cNvSpPr/>
+          <p:nvPr/>
+        </p:nvSpPr>
+        <p:spPr>
+          <a:xfrm>
+            <a:off x="1754420" y="2738880"/>
+            <a:ext cx="236048" cy="173380"/>
+          </a:xfrm>
+          <a:prstGeom prst="flowChartDecision">
+            <a:avLst/>
+          </a:prstGeom>
+          <a:noFill/>
+          <a:ln w="19050">
+            <a:solidFill>
+              <a:schemeClr val="accent6">
+                <a:lumMod val="75000"/>
+              </a:schemeClr>
+            </a:solidFill>
+          </a:ln>
+          <a:effectLst/>
+        </p:spPr>
+        <p:style>
+          <a:lnRef idx="1">
+            <a:schemeClr val="accent2"/>
+          </a:lnRef>
+          <a:fillRef idx="2">
+            <a:schemeClr val="accent2"/>
+          </a:fillRef>
+          <a:effectRef idx="1">
+            <a:schemeClr val="accent2"/>
+          </a:effectRef>
+          <a:fontRef idx="minor">
+            <a:schemeClr val="dk1"/>
+          </a:fontRef>
+        </p:style>
+        <p:txBody>
+          <a:bodyPr rtlCol="0" anchor="ctr"/>
+          <a:lstStyle/>
+          <a:p>
+            <a:pPr algn="ctr"/>
+            <a:endParaRPr lang="en-US" sz="1050">
+              <a:solidFill>
+                <a:schemeClr val="bg1"/>
+              </a:solidFill>
+            </a:endParaRPr>
+          </a:p>
+        </p:txBody>
+      </p:sp>
+      <p:cxnSp>
+        <p:nvCxnSpPr>
+          <p:cNvPr id="29" name="Elbow Connector 63">
+            <a:extLst>
+              <a:ext uri="{FF2B5EF4-FFF2-40B4-BE49-F238E27FC236}">
+                <a16:creationId xmlns:a16="http://schemas.microsoft.com/office/drawing/2014/main" id="{C2C86745-6A3C-436D-AE00-2B5990C89EE9}"/>
+              </a:ext>
+            </a:extLst>
+          </p:cNvPr>
+          <p:cNvCxnSpPr>
+            <a:stCxn id="30" idx="3"/>
+            <a:endCxn id="32" idx="1"/>
+          </p:cNvCxnSpPr>
+          <p:nvPr/>
+        </p:nvCxnSpPr>
+        <p:spPr>
+          <a:xfrm flipV="1">
+            <a:off x="3732139" y="2830854"/>
+            <a:ext cx="223324" cy="1"/>
+          </a:xfrm>
+          <a:prstGeom prst="bentConnector3">
+            <a:avLst>
+              <a:gd name="adj1" fmla="val 50000"/>
+            </a:avLst>
+          </a:prstGeom>
+          <a:ln w="19050">
+            <a:solidFill>
+              <a:schemeClr val="accent6">
+                <a:lumMod val="75000"/>
+              </a:schemeClr>
+            </a:solidFill>
+            <a:prstDash val="sysDot"/>
+            <a:headEnd type="none" w="med" len="med"/>
+            <a:tailEnd type="none" w="med" len="med"/>
+          </a:ln>
+          <a:effectLst/>
+        </p:spPr>
+        <p:style>
+          <a:lnRef idx="1">
+            <a:schemeClr val="accent2"/>
+          </a:lnRef>
+          <a:fillRef idx="2">
+            <a:schemeClr val="accent2"/>
+          </a:fillRef>
+          <a:effectRef idx="1">
+            <a:schemeClr val="accent2"/>
+          </a:effectRef>
+          <a:fontRef idx="minor">
+            <a:schemeClr val="dk1"/>
+          </a:fontRef>
+        </p:style>
+      </p:cxnSp>
+      <p:sp>
+        <p:nvSpPr>
+          <p:cNvPr id="30" name="Isosceles Triangle 102">
+            <a:extLst>
+              <a:ext uri="{FF2B5EF4-FFF2-40B4-BE49-F238E27FC236}">
+                <a16:creationId xmlns:a16="http://schemas.microsoft.com/office/drawing/2014/main" id="{28944900-2EAB-48C5-876F-8D5FCD3D25C2}"/>
+              </a:ext>
+            </a:extLst>
+          </p:cNvPr>
+          <p:cNvSpPr/>
+          <p:nvPr/>
+        </p:nvSpPr>
+        <p:spPr>
+          <a:xfrm rot="5400000" flipV="1">
+            <a:off x="3509125" y="2743093"/>
+            <a:ext cx="270504" cy="175523"/>
+          </a:xfrm>
+          <a:prstGeom prst="triangle">
+            <a:avLst/>
+          </a:prstGeom>
+          <a:solidFill>
+            <a:schemeClr val="accent6">
+              <a:lumMod val="75000"/>
+            </a:schemeClr>
+          </a:solidFill>
+          <a:ln w="19050">
+            <a:solidFill>
+              <a:schemeClr val="accent6">
+                <a:lumMod val="75000"/>
+              </a:schemeClr>
+            </a:solidFill>
+          </a:ln>
+          <a:effectLst/>
+        </p:spPr>
+        <p:style>
+          <a:lnRef idx="1">
+            <a:schemeClr val="accent2"/>
+          </a:lnRef>
+          <a:fillRef idx="2">
+            <a:schemeClr val="accent2"/>
+          </a:fillRef>
+          <a:effectRef idx="1">
+            <a:schemeClr val="accent2"/>
+          </a:effectRef>
+          <a:fontRef idx="minor">
+            <a:schemeClr val="dk1"/>
+          </a:fontRef>
+        </p:style>
+        <p:txBody>
+          <a:bodyPr rtlCol="0" anchor="ctr"/>
+          <a:lstStyle/>
+          <a:p>
+            <a:pPr algn="ctr"/>
+            <a:endParaRPr lang="en-SG" sz="1050">
+              <a:solidFill>
+                <a:schemeClr val="bg1"/>
+              </a:solidFill>
+            </a:endParaRPr>
+          </a:p>
+        </p:txBody>
+      </p:sp>
+      <p:sp>
+        <p:nvSpPr>
+          <p:cNvPr id="32" name="Rectangle 8">
+            <a:extLst>
+              <a:ext uri="{FF2B5EF4-FFF2-40B4-BE49-F238E27FC236}">
+                <a16:creationId xmlns:a16="http://schemas.microsoft.com/office/drawing/2014/main" id="{A36FEA63-3965-481C-8731-DC5C2B24168B}"/>
+              </a:ext>
+            </a:extLst>
+          </p:cNvPr>
+          <p:cNvSpPr/>
+          <p:nvPr/>
+        </p:nvSpPr>
+        <p:spPr>
+          <a:xfrm>
+            <a:off x="3955463" y="2657474"/>
+            <a:ext cx="1169835" cy="346760"/>
+          </a:xfrm>
+          <a:prstGeom prst="rect">
+            <a:avLst/>
+          </a:prstGeom>
+          <a:ln w="19050"/>
+          <a:effectLst/>
+        </p:spPr>
+        <p:style>
+          <a:lnRef idx="1">
+            <a:schemeClr val="accent6"/>
+          </a:lnRef>
+          <a:fillRef idx="2">
+            <a:schemeClr val="accent6"/>
+          </a:fillRef>
+          <a:effectRef idx="1">
+            <a:schemeClr val="accent6"/>
+          </a:effectRef>
+          <a:fontRef idx="minor">
+            <a:schemeClr val="dk1"/>
+          </a:fontRef>
+        </p:style>
+        <p:txBody>
+          <a:bodyPr rtlCol="0" anchor="ctr"/>
+          <a:lstStyle/>
+          <a:p>
+            <a:pPr algn="ctr"/>
+            <a:r>
+              <a:rPr lang="en-US" sz="1050" b="1" dirty="0" err="1">
+                <a:solidFill>
+                  <a:schemeClr val="accent6">
+                    <a:lumMod val="75000"/>
+                  </a:schemeClr>
+                </a:solidFill>
+              </a:rPr>
+              <a:t>TxtTemplate</a:t>
+            </a:r>
+            <a:br>
+              <a:rPr lang="en-US" sz="1050" b="1" dirty="0">
+                <a:solidFill>
+                  <a:schemeClr val="accent6">
+                    <a:lumMod val="75000"/>
+                  </a:schemeClr>
+                </a:solidFill>
+              </a:rPr>
+            </a:br>
+            <a:r>
+              <a:rPr lang="en-US" sz="1050" b="1" dirty="0">
+                <a:solidFill>
+                  <a:schemeClr val="accent6">
+                    <a:lumMod val="75000"/>
+                  </a:schemeClr>
+                </a:solidFill>
+              </a:rPr>
+              <a:t>Storage</a:t>
+            </a:r>
+            <a:endParaRPr lang="en-SG" sz="1050" b="1" dirty="0">
+              <a:solidFill>
+                <a:schemeClr val="accent6">
+                  <a:lumMod val="75000"/>
+                </a:schemeClr>
+              </a:solidFill>
+            </a:endParaRPr>
+          </a:p>
+        </p:txBody>
+      </p:sp>
+      <p:sp>
+        <p:nvSpPr>
+          <p:cNvPr id="37" name="Rectangle 8">
+            <a:extLst>
+              <a:ext uri="{FF2B5EF4-FFF2-40B4-BE49-F238E27FC236}">
+                <a16:creationId xmlns:a16="http://schemas.microsoft.com/office/drawing/2014/main" id="{C9F5283B-BD4C-4208-989D-9683780F1D70}"/>
+              </a:ext>
+            </a:extLst>
+          </p:cNvPr>
+          <p:cNvSpPr/>
+          <p:nvPr/>
+        </p:nvSpPr>
+        <p:spPr>
+          <a:xfrm>
+            <a:off x="2211278" y="3255620"/>
+            <a:ext cx="1323049" cy="346760"/>
+          </a:xfrm>
+          <a:prstGeom prst="rect">
+            <a:avLst/>
+          </a:prstGeom>
+          <a:solidFill>
+            <a:schemeClr val="accent6">
+              <a:lumMod val="75000"/>
+            </a:schemeClr>
+          </a:solidFill>
+          <a:ln w="19050">
+            <a:solidFill>
+              <a:schemeClr val="accent6">
+                <a:lumMod val="75000"/>
+              </a:schemeClr>
+            </a:solidFill>
+          </a:ln>
+          <a:effectLst/>
+        </p:spPr>
+        <p:style>
+          <a:lnRef idx="1">
+            <a:schemeClr val="accent2"/>
+          </a:lnRef>
+          <a:fillRef idx="2">
+            <a:schemeClr val="accent2"/>
+          </a:fillRef>
+          <a:effectRef idx="1">
+            <a:schemeClr val="accent2"/>
+          </a:effectRef>
+          <a:fontRef idx="minor">
+            <a:schemeClr val="dk1"/>
+          </a:fontRef>
+        </p:style>
+        <p:txBody>
+          <a:bodyPr rtlCol="0" anchor="ctr"/>
+          <a:lstStyle/>
+          <a:p>
+            <a:pPr algn="ctr"/>
+            <a:r>
+              <a:rPr lang="en-US" sz="1050" dirty="0">
+                <a:solidFill>
+                  <a:schemeClr val="bg1"/>
+                </a:solidFill>
+              </a:rPr>
+              <a:t>&lt;&lt;interface&gt;&gt;</a:t>
+            </a:r>
+            <a:br>
+              <a:rPr lang="en-US" sz="1050" dirty="0">
+                <a:solidFill>
+                  <a:schemeClr val="bg1"/>
+                </a:solidFill>
+              </a:rPr>
+            </a:br>
+            <a:r>
+              <a:rPr lang="en-US" sz="1050" dirty="0" err="1">
+                <a:solidFill>
+                  <a:schemeClr val="bg1"/>
+                </a:solidFill>
+              </a:rPr>
+              <a:t>ResumeStorage</a:t>
+            </a:r>
+            <a:endParaRPr lang="en-SG" sz="1050" dirty="0">
+              <a:solidFill>
+                <a:schemeClr val="bg1"/>
+              </a:solidFill>
+            </a:endParaRPr>
+          </a:p>
+        </p:txBody>
+      </p:sp>
+      <p:cxnSp>
+        <p:nvCxnSpPr>
+          <p:cNvPr id="38" name="Straight Arrow Connector 37">
+            <a:extLst>
+              <a:ext uri="{FF2B5EF4-FFF2-40B4-BE49-F238E27FC236}">
+                <a16:creationId xmlns:a16="http://schemas.microsoft.com/office/drawing/2014/main" id="{0FB3A480-8BFC-48CE-8D31-C1B52C46EFEB}"/>
+              </a:ext>
+            </a:extLst>
+          </p:cNvPr>
+          <p:cNvCxnSpPr>
+            <a:stCxn id="39" idx="3"/>
+            <a:endCxn id="37" idx="1"/>
+          </p:cNvCxnSpPr>
+          <p:nvPr/>
+        </p:nvCxnSpPr>
+        <p:spPr>
+          <a:xfrm>
+            <a:off x="1990468" y="3423716"/>
+            <a:ext cx="220810" cy="5284"/>
+          </a:xfrm>
+          <a:prstGeom prst="straightConnector1">
+            <a:avLst/>
+          </a:prstGeom>
+          <a:ln w="19050">
+            <a:solidFill>
+              <a:schemeClr val="accent6">
+                <a:lumMod val="75000"/>
+              </a:schemeClr>
+            </a:solidFill>
+            <a:headEnd type="none" w="med" len="med"/>
+            <a:tailEnd type="arrow" w="med" len="med"/>
+          </a:ln>
+          <a:effectLst/>
+        </p:spPr>
+        <p:style>
+          <a:lnRef idx="1">
+            <a:schemeClr val="accent2"/>
+          </a:lnRef>
+          <a:fillRef idx="2">
+            <a:schemeClr val="accent2"/>
+          </a:fillRef>
+          <a:effectRef idx="1">
+            <a:schemeClr val="accent2"/>
+          </a:effectRef>
+          <a:fontRef idx="minor">
+            <a:schemeClr val="dk1"/>
+          </a:fontRef>
+        </p:style>
+      </p:cxnSp>
+      <p:sp>
+        <p:nvSpPr>
+          <p:cNvPr id="39" name="Flowchart: Decision 96">
+            <a:extLst>
+              <a:ext uri="{FF2B5EF4-FFF2-40B4-BE49-F238E27FC236}">
+                <a16:creationId xmlns:a16="http://schemas.microsoft.com/office/drawing/2014/main" id="{D2E173DC-20CB-4579-9AFB-15037E1F4A41}"/>
+              </a:ext>
+            </a:extLst>
+          </p:cNvPr>
+          <p:cNvSpPr/>
+          <p:nvPr/>
+        </p:nvSpPr>
+        <p:spPr>
+          <a:xfrm>
+            <a:off x="1754420" y="3337026"/>
+            <a:ext cx="236048" cy="173380"/>
+          </a:xfrm>
+          <a:prstGeom prst="flowChartDecision">
+            <a:avLst/>
+          </a:prstGeom>
+          <a:noFill/>
+          <a:ln w="19050">
+            <a:solidFill>
+              <a:schemeClr val="accent6">
+                <a:lumMod val="75000"/>
+              </a:schemeClr>
+            </a:solidFill>
+          </a:ln>
+          <a:effectLst/>
+        </p:spPr>
+        <p:style>
+          <a:lnRef idx="1">
+            <a:schemeClr val="accent2"/>
+          </a:lnRef>
+          <a:fillRef idx="2">
+            <a:schemeClr val="accent2"/>
+          </a:fillRef>
+          <a:effectRef idx="1">
+            <a:schemeClr val="accent2"/>
+          </a:effectRef>
+          <a:fontRef idx="minor">
+            <a:schemeClr val="dk1"/>
+          </a:fontRef>
+        </p:style>
+        <p:txBody>
+          <a:bodyPr rtlCol="0" anchor="ctr"/>
+          <a:lstStyle/>
+          <a:p>
+            <a:pPr algn="ctr"/>
+            <a:endParaRPr lang="en-US" sz="1050">
+              <a:solidFill>
+                <a:schemeClr val="bg1"/>
+              </a:solidFill>
+            </a:endParaRPr>
+          </a:p>
+        </p:txBody>
+      </p:sp>
+      <p:cxnSp>
+        <p:nvCxnSpPr>
+          <p:cNvPr id="40" name="Elbow Connector 63">
+            <a:extLst>
+              <a:ext uri="{FF2B5EF4-FFF2-40B4-BE49-F238E27FC236}">
+                <a16:creationId xmlns:a16="http://schemas.microsoft.com/office/drawing/2014/main" id="{8A431C0D-9154-4AB4-A195-7BF37B5A2A0F}"/>
+              </a:ext>
+            </a:extLst>
+          </p:cNvPr>
+          <p:cNvCxnSpPr>
+            <a:stCxn id="41" idx="3"/>
+            <a:endCxn id="44" idx="1"/>
+          </p:cNvCxnSpPr>
+          <p:nvPr/>
+        </p:nvCxnSpPr>
+        <p:spPr>
+          <a:xfrm flipV="1">
+            <a:off x="3732139" y="3429000"/>
+            <a:ext cx="223324" cy="1"/>
+          </a:xfrm>
+          <a:prstGeom prst="bentConnector3">
+            <a:avLst>
+              <a:gd name="adj1" fmla="val 50000"/>
+            </a:avLst>
+          </a:prstGeom>
+          <a:ln w="19050">
+            <a:solidFill>
+              <a:schemeClr val="accent6">
+                <a:lumMod val="75000"/>
+              </a:schemeClr>
+            </a:solidFill>
+            <a:prstDash val="sysDot"/>
+            <a:headEnd type="none" w="med" len="med"/>
+            <a:tailEnd type="none" w="med" len="med"/>
+          </a:ln>
+          <a:effectLst/>
+        </p:spPr>
+        <p:style>
+          <a:lnRef idx="1">
+            <a:schemeClr val="accent2"/>
+          </a:lnRef>
+          <a:fillRef idx="2">
+            <a:schemeClr val="accent2"/>
+          </a:fillRef>
+          <a:effectRef idx="1">
+            <a:schemeClr val="accent2"/>
+          </a:effectRef>
+          <a:fontRef idx="minor">
+            <a:schemeClr val="dk1"/>
+          </a:fontRef>
+        </p:style>
+      </p:cxnSp>
+      <p:sp>
+        <p:nvSpPr>
+          <p:cNvPr id="41" name="Isosceles Triangle 102">
+            <a:extLst>
+              <a:ext uri="{FF2B5EF4-FFF2-40B4-BE49-F238E27FC236}">
+                <a16:creationId xmlns:a16="http://schemas.microsoft.com/office/drawing/2014/main" id="{8259FF2E-9923-4526-961D-171903820841}"/>
+              </a:ext>
+            </a:extLst>
+          </p:cNvPr>
+          <p:cNvSpPr/>
+          <p:nvPr/>
+        </p:nvSpPr>
+        <p:spPr>
+          <a:xfrm rot="5400000" flipV="1">
+            <a:off x="3509125" y="3341239"/>
+            <a:ext cx="270504" cy="175523"/>
+          </a:xfrm>
+          <a:prstGeom prst="triangle">
+            <a:avLst/>
+          </a:prstGeom>
+          <a:solidFill>
+            <a:schemeClr val="accent6">
+              <a:lumMod val="75000"/>
+            </a:schemeClr>
+          </a:solidFill>
+          <a:ln w="19050">
+            <a:solidFill>
+              <a:schemeClr val="accent6">
+                <a:lumMod val="75000"/>
+              </a:schemeClr>
+            </a:solidFill>
+          </a:ln>
+          <a:effectLst/>
+        </p:spPr>
+        <p:style>
+          <a:lnRef idx="1">
+            <a:schemeClr val="accent2"/>
+          </a:lnRef>
+          <a:fillRef idx="2">
+            <a:schemeClr val="accent2"/>
+          </a:fillRef>
+          <a:effectRef idx="1">
+            <a:schemeClr val="accent2"/>
+          </a:effectRef>
+          <a:fontRef idx="minor">
+            <a:schemeClr val="dk1"/>
+          </a:fontRef>
+        </p:style>
+        <p:txBody>
+          <a:bodyPr rtlCol="0" anchor="ctr"/>
+          <a:lstStyle/>
+          <a:p>
+            <a:pPr algn="ctr"/>
+            <a:endParaRPr lang="en-SG" sz="1050">
+              <a:solidFill>
+                <a:schemeClr val="bg1"/>
+              </a:solidFill>
+            </a:endParaRPr>
+          </a:p>
+        </p:txBody>
+      </p:sp>
+      <p:sp>
+        <p:nvSpPr>
+          <p:cNvPr id="44" name="Rectangle 8">
+            <a:extLst>
+              <a:ext uri="{FF2B5EF4-FFF2-40B4-BE49-F238E27FC236}">
+                <a16:creationId xmlns:a16="http://schemas.microsoft.com/office/drawing/2014/main" id="{08079432-826C-469E-8B1D-4AB1D7082BDA}"/>
+              </a:ext>
+            </a:extLst>
+          </p:cNvPr>
+          <p:cNvSpPr/>
+          <p:nvPr/>
+        </p:nvSpPr>
+        <p:spPr>
+          <a:xfrm>
+            <a:off x="3955463" y="3255620"/>
+            <a:ext cx="1169835" cy="346760"/>
+          </a:xfrm>
+          <a:prstGeom prst="rect">
+            <a:avLst/>
+          </a:prstGeom>
+          <a:ln w="19050"/>
+          <a:effectLst/>
+        </p:spPr>
+        <p:style>
+          <a:lnRef idx="1">
+            <a:schemeClr val="accent6"/>
+          </a:lnRef>
+          <a:fillRef idx="2">
+            <a:schemeClr val="accent6"/>
+          </a:fillRef>
+          <a:effectRef idx="1">
+            <a:schemeClr val="accent6"/>
+          </a:effectRef>
+          <a:fontRef idx="minor">
+            <a:schemeClr val="dk1"/>
+          </a:fontRef>
+        </p:style>
+        <p:txBody>
+          <a:bodyPr rtlCol="0" anchor="ctr"/>
+          <a:lstStyle/>
+          <a:p>
+            <a:pPr algn="ctr"/>
+            <a:r>
+              <a:rPr lang="en-US" sz="1050" b="1" dirty="0">
+                <a:solidFill>
+                  <a:schemeClr val="accent6">
+                    <a:lumMod val="75000"/>
+                  </a:schemeClr>
+                </a:solidFill>
+              </a:rPr>
+              <a:t>Markdown</a:t>
+            </a:r>
+            <a:br>
+              <a:rPr lang="en-US" sz="1050" b="1" dirty="0">
+                <a:solidFill>
+                  <a:schemeClr val="accent6">
+                    <a:lumMod val="75000"/>
+                  </a:schemeClr>
+                </a:solidFill>
+              </a:rPr>
+            </a:br>
+            <a:r>
+              <a:rPr lang="en-US" sz="1050" b="1" dirty="0" err="1">
+                <a:solidFill>
+                  <a:schemeClr val="accent6">
+                    <a:lumMod val="75000"/>
+                  </a:schemeClr>
+                </a:solidFill>
+              </a:rPr>
+              <a:t>ResumeStorage</a:t>
+            </a:r>
+            <a:endParaRPr lang="en-SG" sz="1050" b="1" dirty="0">
+              <a:solidFill>
+                <a:schemeClr val="accent6">
+                  <a:lumMod val="75000"/>
+                </a:schemeClr>
+              </a:solidFill>
+            </a:endParaRPr>
+          </a:p>
+        </p:txBody>
+      </p:sp>
+      <p:cxnSp>
+        <p:nvCxnSpPr>
+          <p:cNvPr id="49" name="Elbow Connector 122">
+            <a:extLst>
+              <a:ext uri="{FF2B5EF4-FFF2-40B4-BE49-F238E27FC236}">
+                <a16:creationId xmlns:a16="http://schemas.microsoft.com/office/drawing/2014/main" id="{285EF356-4E0E-4C47-8C84-181C16688F21}"/>
+              </a:ext>
+            </a:extLst>
+          </p:cNvPr>
+          <p:cNvCxnSpPr>
+            <a:cxnSpLocks/>
+            <a:stCxn id="74" idx="0"/>
+            <a:endCxn id="51" idx="2"/>
+          </p:cNvCxnSpPr>
+          <p:nvPr/>
+        </p:nvCxnSpPr>
+        <p:spPr>
+          <a:xfrm rot="5400000" flipH="1" flipV="1">
+            <a:off x="7430500" y="1908902"/>
+            <a:ext cx="307373" cy="2509"/>
+          </a:xfrm>
+          <a:prstGeom prst="bentConnector3">
+            <a:avLst>
+              <a:gd name="adj1" fmla="val 50000"/>
+            </a:avLst>
+          </a:prstGeom>
+          <a:ln w="19050">
+            <a:prstDash val="sysDot"/>
+            <a:headEnd type="none" w="med" len="med"/>
+            <a:tailEnd type="arrow" w="med" len="med"/>
+          </a:ln>
+          <a:effectLst/>
+        </p:spPr>
+        <p:style>
+          <a:lnRef idx="1">
+            <a:schemeClr val="accent6"/>
+          </a:lnRef>
+          <a:fillRef idx="2">
+            <a:schemeClr val="accent6"/>
+          </a:fillRef>
+          <a:effectRef idx="1">
+            <a:schemeClr val="accent6"/>
+          </a:effectRef>
+          <a:fontRef idx="minor">
+            <a:schemeClr val="dk1"/>
+          </a:fontRef>
+        </p:style>
+      </p:cxnSp>
+      <p:sp>
+        <p:nvSpPr>
+          <p:cNvPr id="51" name="Rectangle 8">
+            <a:extLst>
+              <a:ext uri="{FF2B5EF4-FFF2-40B4-BE49-F238E27FC236}">
+                <a16:creationId xmlns:a16="http://schemas.microsoft.com/office/drawing/2014/main" id="{B480D3F2-0939-4A74-9A57-A4C35D6EBFA1}"/>
+              </a:ext>
+            </a:extLst>
+          </p:cNvPr>
+          <p:cNvSpPr/>
+          <p:nvPr/>
+        </p:nvSpPr>
+        <p:spPr>
+          <a:xfrm>
+            <a:off x="6955582" y="1409709"/>
+            <a:ext cx="1259718" cy="346760"/>
+          </a:xfrm>
+          <a:prstGeom prst="rect">
+            <a:avLst/>
+          </a:prstGeom>
+          <a:ln w="19050"/>
+          <a:effectLst/>
+        </p:spPr>
+        <p:style>
+          <a:lnRef idx="1">
+            <a:schemeClr val="accent6"/>
+          </a:lnRef>
+          <a:fillRef idx="2">
+            <a:schemeClr val="accent6"/>
+          </a:fillRef>
+          <a:effectRef idx="1">
+            <a:schemeClr val="accent6"/>
+          </a:effectRef>
+          <a:fontRef idx="minor">
+            <a:schemeClr val="dk1"/>
+          </a:fontRef>
+        </p:style>
+        <p:txBody>
+          <a:bodyPr rtlCol="0" anchor="ctr"/>
+          <a:lstStyle/>
+          <a:p>
+            <a:pPr algn="ctr"/>
+            <a:r>
+              <a:rPr lang="en-US" sz="1050" b="1" dirty="0" err="1">
+                <a:solidFill>
+                  <a:schemeClr val="accent6">
+                    <a:lumMod val="75000"/>
+                  </a:schemeClr>
+                </a:solidFill>
+              </a:rPr>
+              <a:t>XmlAdapted</a:t>
+            </a:r>
+            <a:br>
+              <a:rPr lang="en-US" sz="1050" b="1" dirty="0">
+                <a:solidFill>
+                  <a:schemeClr val="accent6">
+                    <a:lumMod val="75000"/>
+                  </a:schemeClr>
+                </a:solidFill>
+              </a:rPr>
+            </a:br>
+            <a:r>
+              <a:rPr lang="en-US" sz="1050" b="1" dirty="0" err="1">
+                <a:solidFill>
+                  <a:schemeClr val="accent6">
+                    <a:lumMod val="75000"/>
+                  </a:schemeClr>
+                </a:solidFill>
+              </a:rPr>
+              <a:t>EntryInfo</a:t>
+            </a:r>
+            <a:endParaRPr lang="en-SG" sz="1050" b="1" dirty="0">
+              <a:solidFill>
+                <a:schemeClr val="accent6">
+                  <a:lumMod val="75000"/>
+                </a:schemeClr>
+              </a:solidFill>
+            </a:endParaRPr>
+          </a:p>
+        </p:txBody>
+      </p:sp>
+      <p:cxnSp>
+        <p:nvCxnSpPr>
+          <p:cNvPr id="53" name="Elbow Connector 122">
+            <a:extLst>
+              <a:ext uri="{FF2B5EF4-FFF2-40B4-BE49-F238E27FC236}">
+                <a16:creationId xmlns:a16="http://schemas.microsoft.com/office/drawing/2014/main" id="{A16C51E0-5775-4705-924F-7131F3CBDE43}"/>
+              </a:ext>
+            </a:extLst>
+          </p:cNvPr>
+          <p:cNvCxnSpPr>
+            <a:cxnSpLocks/>
+            <a:stCxn id="74" idx="2"/>
+            <a:endCxn id="55" idx="0"/>
+          </p:cNvCxnSpPr>
+          <p:nvPr/>
+        </p:nvCxnSpPr>
+        <p:spPr>
+          <a:xfrm rot="5400000">
+            <a:off x="7043639" y="2177009"/>
+            <a:ext cx="305701" cy="772886"/>
+          </a:xfrm>
+          <a:prstGeom prst="bentConnector3">
+            <a:avLst>
+              <a:gd name="adj1" fmla="val 50000"/>
+            </a:avLst>
+          </a:prstGeom>
+          <a:ln w="19050">
+            <a:prstDash val="sysDot"/>
+            <a:headEnd type="none" w="med" len="med"/>
+            <a:tailEnd type="arrow" w="med" len="med"/>
+          </a:ln>
+          <a:effectLst/>
+        </p:spPr>
+        <p:style>
+          <a:lnRef idx="1">
+            <a:schemeClr val="accent6"/>
+          </a:lnRef>
+          <a:fillRef idx="2">
+            <a:schemeClr val="accent6"/>
+          </a:fillRef>
+          <a:effectRef idx="1">
+            <a:schemeClr val="accent6"/>
+          </a:effectRef>
+          <a:fontRef idx="minor">
+            <a:schemeClr val="dk1"/>
+          </a:fontRef>
+        </p:style>
+      </p:cxnSp>
+      <p:sp>
+        <p:nvSpPr>
+          <p:cNvPr id="55" name="Rectangle 8">
+            <a:extLst>
+              <a:ext uri="{FF2B5EF4-FFF2-40B4-BE49-F238E27FC236}">
+                <a16:creationId xmlns:a16="http://schemas.microsoft.com/office/drawing/2014/main" id="{7AEC89E7-94B7-4C9F-8F70-5902FA7CAB82}"/>
+              </a:ext>
+            </a:extLst>
+          </p:cNvPr>
+          <p:cNvSpPr/>
+          <p:nvPr/>
+        </p:nvSpPr>
+        <p:spPr>
+          <a:xfrm>
+            <a:off x="6180187" y="2716303"/>
+            <a:ext cx="1259718" cy="346760"/>
+          </a:xfrm>
+          <a:prstGeom prst="rect">
+            <a:avLst/>
+          </a:prstGeom>
+          <a:ln w="19050"/>
+          <a:effectLst/>
+        </p:spPr>
+        <p:style>
+          <a:lnRef idx="1">
+            <a:schemeClr val="accent6"/>
+          </a:lnRef>
+          <a:fillRef idx="2">
+            <a:schemeClr val="accent6"/>
+          </a:fillRef>
+          <a:effectRef idx="1">
+            <a:schemeClr val="accent6"/>
+          </a:effectRef>
+          <a:fontRef idx="minor">
+            <a:schemeClr val="dk1"/>
+          </a:fontRef>
+        </p:style>
+        <p:txBody>
+          <a:bodyPr rtlCol="0" anchor="ctr"/>
+          <a:lstStyle/>
+          <a:p>
+            <a:pPr algn="ctr"/>
+            <a:r>
+              <a:rPr lang="en-US" sz="1050" b="1" dirty="0" err="1">
+                <a:solidFill>
+                  <a:schemeClr val="accent6">
+                    <a:lumMod val="75000"/>
+                  </a:schemeClr>
+                </a:solidFill>
+              </a:rPr>
+              <a:t>XmlAdaptedEntry</a:t>
+            </a:r>
+            <a:br>
+              <a:rPr lang="en-US" sz="1050" b="1" dirty="0">
+                <a:solidFill>
+                  <a:schemeClr val="accent6">
+                    <a:lumMod val="75000"/>
+                  </a:schemeClr>
+                </a:solidFill>
+              </a:rPr>
+            </a:br>
+            <a:r>
+              <a:rPr lang="en-US" sz="1050" b="1" dirty="0">
+                <a:solidFill>
+                  <a:schemeClr val="accent6">
+                    <a:lumMod val="75000"/>
+                  </a:schemeClr>
+                </a:solidFill>
+              </a:rPr>
+              <a:t>Description</a:t>
+            </a:r>
+            <a:endParaRPr lang="en-SG" sz="1050" b="1" dirty="0">
+              <a:solidFill>
+                <a:schemeClr val="accent6">
+                  <a:lumMod val="75000"/>
+                </a:schemeClr>
+              </a:solidFill>
+            </a:endParaRPr>
+          </a:p>
+        </p:txBody>
+      </p:sp>
+      <p:sp>
+        <p:nvSpPr>
+          <p:cNvPr id="62" name="TextBox 61">
+            <a:extLst>
+              <a:ext uri="{FF2B5EF4-FFF2-40B4-BE49-F238E27FC236}">
+                <a16:creationId xmlns:a16="http://schemas.microsoft.com/office/drawing/2014/main" id="{1BD710EF-224A-4E4A-ACA3-0943814179EF}"/>
+              </a:ext>
+            </a:extLst>
+          </p:cNvPr>
+          <p:cNvSpPr txBox="1"/>
+          <p:nvPr/>
+        </p:nvSpPr>
+        <p:spPr>
+          <a:xfrm>
+            <a:off x="1676399" y="4648200"/>
+            <a:ext cx="2055739" cy="369332"/>
+          </a:xfrm>
+          <a:prstGeom prst="rect">
+            <a:avLst/>
+          </a:prstGeom>
+          <a:noFill/>
+        </p:spPr>
+        <p:txBody>
+          <a:bodyPr wrap="square" rtlCol="0">
+            <a:spAutoFit/>
+          </a:bodyPr>
+          <a:lstStyle/>
+          <a:p>
+            <a:r>
+              <a:rPr lang="en-SG" dirty="0" err="1"/>
+              <a:t>AwarenessStorage</a:t>
+            </a:r>
+            <a:r>
+              <a:rPr lang="en-SG" dirty="0"/>
+              <a:t>?</a:t>
+            </a:r>
+          </a:p>
+        </p:txBody>
+      </p:sp>
+    </p:spTree>
+    <p:extLst>
+      <p:ext uri="{BB962C8B-B14F-4D97-AF65-F5344CB8AC3E}">
+        <p14:creationId xmlns:p14="http://schemas.microsoft.com/office/powerpoint/2010/main" val="2757116909"/>
+      </p:ext>
+    </p:extLst>
+  </p:cSld>
+  <p:clrMapOvr>
+    <a:masterClrMapping/>
+  </p:clrMapOvr>
 </p:sld>
 </file>
 
